--- a/발표자료_초안.pptx
+++ b/발표자료_초안.pptx
@@ -5,10 +5,10 @@
     <p:sldMasterId id="2147483648" r:id="rId1"/>
   </p:sldMasterIdLst>
   <p:notesMasterIdLst>
-    <p:notesMasterId r:id="rId25"/>
+    <p:notesMasterId r:id="rId28"/>
   </p:notesMasterIdLst>
   <p:handoutMasterIdLst>
-    <p:handoutMasterId r:id="rId26"/>
+    <p:handoutMasterId r:id="rId29"/>
   </p:handoutMasterIdLst>
   <p:sldIdLst>
     <p:sldId id="256" r:id="rId2"/>
@@ -32,8 +32,11 @@
     <p:sldId id="754" r:id="rId20"/>
     <p:sldId id="767" r:id="rId21"/>
     <p:sldId id="768" r:id="rId22"/>
-    <p:sldId id="755" r:id="rId23"/>
-    <p:sldId id="756" r:id="rId24"/>
+    <p:sldId id="769" r:id="rId23"/>
+    <p:sldId id="770" r:id="rId24"/>
+    <p:sldId id="771" r:id="rId25"/>
+    <p:sldId id="755" r:id="rId26"/>
+    <p:sldId id="756" r:id="rId27"/>
   </p:sldIdLst>
   <p:sldSz cx="12192000" cy="6858000"/>
   <p:notesSz cx="9866313" cy="6735763"/>
@@ -14419,17 +14422,26 @@
             </a:pPr>
             <a:r>
               <a:rPr lang="ko-KR" altLang="en-US" sz="1600" dirty="0" smtClean="0">
+                <a:solidFill>
+                  <a:srgbClr val="FF0000"/>
+                </a:solidFill>
                 <a:ea typeface="굴림" panose="020B0600000101010101" pitchFamily="50" charset="-127"/>
               </a:rPr>
               <a:t>우리는 </a:t>
             </a:r>
             <a:r>
               <a:rPr lang="en-US" altLang="ko-KR" sz="1600" dirty="0" smtClean="0">
+                <a:solidFill>
+                  <a:srgbClr val="FF0000"/>
+                </a:solidFill>
                 <a:ea typeface="굴림" panose="020B0600000101010101" pitchFamily="50" charset="-127"/>
               </a:rPr>
               <a:t>…</a:t>
             </a:r>
             <a:endParaRPr lang="en-US" altLang="ko-KR" sz="1600" b="1" dirty="0">
+              <a:solidFill>
+                <a:srgbClr val="FF0000"/>
+              </a:solidFill>
               <a:ea typeface="굴림" panose="020B0600000101010101" pitchFamily="50" charset="-127"/>
             </a:endParaRPr>
           </a:p>
@@ -15271,6 +15283,126 @@
           </a:p>
         </p:txBody>
       </p:sp>
+      <p:pic>
+        <p:nvPicPr>
+          <p:cNvPr id="6" name="그림 5"/>
+          <p:cNvPicPr>
+            <a:picLocks noChangeAspect="1"/>
+          </p:cNvPicPr>
+          <p:nvPr/>
+        </p:nvPicPr>
+        <p:blipFill>
+          <a:blip r:embed="rId2">
+            <a:extLst>
+              <a:ext uri="{28A0092B-C50C-407E-A947-70E740481C1C}">
+                <a14:useLocalDpi xmlns:a14="http://schemas.microsoft.com/office/drawing/2010/main" val="0"/>
+              </a:ext>
+            </a:extLst>
+          </a:blip>
+          <a:stretch>
+            <a:fillRect/>
+          </a:stretch>
+        </p:blipFill>
+        <p:spPr>
+          <a:xfrm>
+            <a:off x="0" y="2231244"/>
+            <a:ext cx="6367550" cy="1910265"/>
+          </a:xfrm>
+          <a:prstGeom prst="rect">
+            <a:avLst/>
+          </a:prstGeom>
+        </p:spPr>
+      </p:pic>
+      <p:pic>
+        <p:nvPicPr>
+          <p:cNvPr id="7" name="그림 6"/>
+          <p:cNvPicPr>
+            <a:picLocks noChangeAspect="1"/>
+          </p:cNvPicPr>
+          <p:nvPr/>
+        </p:nvPicPr>
+        <p:blipFill>
+          <a:blip r:embed="rId3">
+            <a:extLst>
+              <a:ext uri="{28A0092B-C50C-407E-A947-70E740481C1C}">
+                <a14:useLocalDpi xmlns:a14="http://schemas.microsoft.com/office/drawing/2010/main" val="0"/>
+              </a:ext>
+            </a:extLst>
+          </a:blip>
+          <a:stretch>
+            <a:fillRect/>
+          </a:stretch>
+        </p:blipFill>
+        <p:spPr>
+          <a:xfrm>
+            <a:off x="5824450" y="2236639"/>
+            <a:ext cx="6367550" cy="1910265"/>
+          </a:xfrm>
+          <a:prstGeom prst="rect">
+            <a:avLst/>
+          </a:prstGeom>
+        </p:spPr>
+      </p:pic>
+      <p:pic>
+        <p:nvPicPr>
+          <p:cNvPr id="8" name="그림 7"/>
+          <p:cNvPicPr>
+            <a:picLocks noChangeAspect="1"/>
+          </p:cNvPicPr>
+          <p:nvPr/>
+        </p:nvPicPr>
+        <p:blipFill>
+          <a:blip r:embed="rId4">
+            <a:extLst>
+              <a:ext uri="{28A0092B-C50C-407E-A947-70E740481C1C}">
+                <a14:useLocalDpi xmlns:a14="http://schemas.microsoft.com/office/drawing/2010/main" val="0"/>
+              </a:ext>
+            </a:extLst>
+          </a:blip>
+          <a:stretch>
+            <a:fillRect/>
+          </a:stretch>
+        </p:blipFill>
+        <p:spPr>
+          <a:xfrm>
+            <a:off x="0" y="4141509"/>
+            <a:ext cx="6385534" cy="1915660"/>
+          </a:xfrm>
+          <a:prstGeom prst="rect">
+            <a:avLst/>
+          </a:prstGeom>
+        </p:spPr>
+      </p:pic>
+      <p:pic>
+        <p:nvPicPr>
+          <p:cNvPr id="9" name="그림 8"/>
+          <p:cNvPicPr>
+            <a:picLocks noChangeAspect="1"/>
+          </p:cNvPicPr>
+          <p:nvPr/>
+        </p:nvPicPr>
+        <p:blipFill>
+          <a:blip r:embed="rId5">
+            <a:extLst>
+              <a:ext uri="{28A0092B-C50C-407E-A947-70E740481C1C}">
+                <a14:useLocalDpi xmlns:a14="http://schemas.microsoft.com/office/drawing/2010/main" val="0"/>
+              </a:ext>
+            </a:extLst>
+          </a:blip>
+          <a:stretch>
+            <a:fillRect/>
+          </a:stretch>
+        </p:blipFill>
+        <p:spPr>
+          <a:xfrm>
+            <a:off x="5806466" y="4136114"/>
+            <a:ext cx="6385534" cy="1915660"/>
+          </a:xfrm>
+          <a:prstGeom prst="rect">
+            <a:avLst/>
+          </a:prstGeom>
+        </p:spPr>
+      </p:pic>
     </p:spTree>
     <p:extLst>
       <p:ext uri="{BB962C8B-B14F-4D97-AF65-F5344CB8AC3E}">
@@ -15679,6 +15811,2271 @@
               <a:rPr lang="en-US" altLang="ko-KR" sz="2000" b="1" dirty="0" smtClean="0">
                 <a:ea typeface="굴림" panose="020B0600000101010101" pitchFamily="50" charset="-127"/>
               </a:rPr>
+              <a:t>Generalized Power management </a:t>
+            </a:r>
+            <a:endParaRPr lang="ko-KR" altLang="en-US" sz="2000" b="1" dirty="0">
+              <a:ea typeface="굴림" panose="020B0600000101010101" pitchFamily="50" charset="-127"/>
+            </a:endParaRPr>
+          </a:p>
+        </p:txBody>
+      </p:sp>
+      <p:sp>
+        <p:nvSpPr>
+          <p:cNvPr id="17" name="Text Box 340"/>
+          <p:cNvSpPr txBox="1">
+            <a:spLocks noChangeArrowheads="1"/>
+          </p:cNvSpPr>
+          <p:nvPr/>
+        </p:nvSpPr>
+        <p:spPr bwMode="auto">
+          <a:xfrm>
+            <a:off x="1115616" y="1556853"/>
+            <a:ext cx="10306072" cy="1815882"/>
+          </a:xfrm>
+          <a:prstGeom prst="rect">
+            <a:avLst/>
+          </a:prstGeom>
+          <a:noFill/>
+          <a:ln>
+            <a:noFill/>
+          </a:ln>
+          <a:effectLst/>
+          <a:extLst>
+            <a:ext uri="{909E8E84-426E-40DD-AFC4-6F175D3DCCD1}">
+              <a14:hiddenFill xmlns:a14="http://schemas.microsoft.com/office/drawing/2010/main">
+                <a:solidFill>
+                  <a:schemeClr val="accent1"/>
+                </a:solidFill>
+              </a14:hiddenFill>
+            </a:ext>
+            <a:ext uri="{91240B29-F687-4F45-9708-019B960494DF}">
+              <a14:hiddenLine xmlns:a14="http://schemas.microsoft.com/office/drawing/2010/main" w="9525">
+                <a:solidFill>
+                  <a:schemeClr val="tx1"/>
+                </a:solidFill>
+                <a:miter lim="800000"/>
+                <a:headEnd/>
+                <a:tailEnd/>
+              </a14:hiddenLine>
+            </a:ext>
+            <a:ext uri="{AF507438-7753-43E0-B8FC-AC1667EBCBE1}">
+              <a14:hiddenEffects xmlns:a14="http://schemas.microsoft.com/office/drawing/2010/main">
+                <a:effectLst>
+                  <a:outerShdw dist="35921" dir="2700000" algn="ctr" rotWithShape="0">
+                    <a:schemeClr val="bg2"/>
+                  </a:outerShdw>
+                </a:effectLst>
+              </a14:hiddenEffects>
+            </a:ext>
+          </a:extLst>
+        </p:spPr>
+        <p:txBody>
+          <a:bodyPr wrap="square">
+            <a:spAutoFit/>
+          </a:bodyPr>
+          <a:lstStyle>
+            <a:lvl1pPr>
+              <a:defRPr>
+                <a:solidFill>
+                  <a:schemeClr val="tx1"/>
+                </a:solidFill>
+                <a:latin typeface="Arial" panose="020B0604020202020204" pitchFamily="34" charset="0"/>
+              </a:defRPr>
+            </a:lvl1pPr>
+            <a:lvl2pPr marL="742950" indent="-285750">
+              <a:defRPr>
+                <a:solidFill>
+                  <a:schemeClr val="tx1"/>
+                </a:solidFill>
+                <a:latin typeface="Arial" panose="020B0604020202020204" pitchFamily="34" charset="0"/>
+              </a:defRPr>
+            </a:lvl2pPr>
+            <a:lvl3pPr marL="1143000" indent="-228600">
+              <a:defRPr>
+                <a:solidFill>
+                  <a:schemeClr val="tx1"/>
+                </a:solidFill>
+                <a:latin typeface="Arial" panose="020B0604020202020204" pitchFamily="34" charset="0"/>
+              </a:defRPr>
+            </a:lvl3pPr>
+            <a:lvl4pPr marL="1600200" indent="-228600">
+              <a:defRPr>
+                <a:solidFill>
+                  <a:schemeClr val="tx1"/>
+                </a:solidFill>
+                <a:latin typeface="Arial" panose="020B0604020202020204" pitchFamily="34" charset="0"/>
+              </a:defRPr>
+            </a:lvl4pPr>
+            <a:lvl5pPr marL="2057400" indent="-228600">
+              <a:defRPr>
+                <a:solidFill>
+                  <a:schemeClr val="tx1"/>
+                </a:solidFill>
+                <a:latin typeface="Arial" panose="020B0604020202020204" pitchFamily="34" charset="0"/>
+              </a:defRPr>
+            </a:lvl5pPr>
+            <a:lvl6pPr marL="2514600" indent="-228600" eaLnBrk="0" fontAlgn="base" hangingPunct="0">
+              <a:spcBef>
+                <a:spcPct val="0"/>
+              </a:spcBef>
+              <a:spcAft>
+                <a:spcPct val="0"/>
+              </a:spcAft>
+              <a:defRPr>
+                <a:solidFill>
+                  <a:schemeClr val="tx1"/>
+                </a:solidFill>
+                <a:latin typeface="Arial" panose="020B0604020202020204" pitchFamily="34" charset="0"/>
+              </a:defRPr>
+            </a:lvl6pPr>
+            <a:lvl7pPr marL="2971800" indent="-228600" eaLnBrk="0" fontAlgn="base" hangingPunct="0">
+              <a:spcBef>
+                <a:spcPct val="0"/>
+              </a:spcBef>
+              <a:spcAft>
+                <a:spcPct val="0"/>
+              </a:spcAft>
+              <a:defRPr>
+                <a:solidFill>
+                  <a:schemeClr val="tx1"/>
+                </a:solidFill>
+                <a:latin typeface="Arial" panose="020B0604020202020204" pitchFamily="34" charset="0"/>
+              </a:defRPr>
+            </a:lvl7pPr>
+            <a:lvl8pPr marL="3429000" indent="-228600" eaLnBrk="0" fontAlgn="base" hangingPunct="0">
+              <a:spcBef>
+                <a:spcPct val="0"/>
+              </a:spcBef>
+              <a:spcAft>
+                <a:spcPct val="0"/>
+              </a:spcAft>
+              <a:defRPr>
+                <a:solidFill>
+                  <a:schemeClr val="tx1"/>
+                </a:solidFill>
+                <a:latin typeface="Arial" panose="020B0604020202020204" pitchFamily="34" charset="0"/>
+              </a:defRPr>
+            </a:lvl8pPr>
+            <a:lvl9pPr marL="3886200" indent="-228600" eaLnBrk="0" fontAlgn="base" hangingPunct="0">
+              <a:spcBef>
+                <a:spcPct val="0"/>
+              </a:spcBef>
+              <a:spcAft>
+                <a:spcPct val="0"/>
+              </a:spcAft>
+              <a:defRPr>
+                <a:solidFill>
+                  <a:schemeClr val="tx1"/>
+                </a:solidFill>
+                <a:latin typeface="Arial" panose="020B0604020202020204" pitchFamily="34" charset="0"/>
+              </a:defRPr>
+            </a:lvl9pPr>
+          </a:lstStyle>
+          <a:p>
+            <a:pPr marL="342900" indent="-342900">
+              <a:buFont typeface="Arial" panose="020B0604020202020204" pitchFamily="34" charset="0"/>
+              <a:buChar char="•"/>
+              <a:defRPr/>
+            </a:pPr>
+            <a:r>
+              <a:rPr lang="ko-KR" altLang="en-US" sz="1600" dirty="0" smtClean="0">
+                <a:ea typeface="굴림" panose="020B0600000101010101" pitchFamily="50" charset="-127"/>
+              </a:rPr>
+              <a:t>모델의 </a:t>
+            </a:r>
+            <a:r>
+              <a:rPr lang="en-US" altLang="ko-KR" sz="1600" dirty="0" smtClean="0">
+                <a:ea typeface="굴림" panose="020B0600000101010101" pitchFamily="50" charset="-127"/>
+              </a:rPr>
+              <a:t>Generalized power</a:t>
+            </a:r>
+            <a:r>
+              <a:rPr lang="ko-KR" altLang="en-US" sz="1600" dirty="0" smtClean="0">
+                <a:ea typeface="굴림" panose="020B0600000101010101" pitchFamily="50" charset="-127"/>
+              </a:rPr>
+              <a:t>를 극대화하기 위해서 </a:t>
+            </a:r>
+            <a:r>
+              <a:rPr lang="en-US" altLang="ko-KR" sz="1600" dirty="0" smtClean="0">
+                <a:ea typeface="굴림" panose="020B0600000101010101" pitchFamily="50" charset="-127"/>
+              </a:rPr>
+              <a:t>driving cycle</a:t>
+            </a:r>
+            <a:r>
+              <a:rPr lang="ko-KR" altLang="en-US" sz="1600" dirty="0" smtClean="0">
+                <a:ea typeface="굴림" panose="020B0600000101010101" pitchFamily="50" charset="-127"/>
+              </a:rPr>
+              <a:t>의 통계적 성질을 기반으로 </a:t>
+            </a:r>
+            <a:r>
+              <a:rPr lang="en-US" altLang="ko-KR" sz="1600" dirty="0" smtClean="0">
+                <a:ea typeface="굴림" panose="020B0600000101010101" pitchFamily="50" charset="-127"/>
+              </a:rPr>
+              <a:t>MDP driver model</a:t>
+            </a:r>
+            <a:r>
+              <a:rPr lang="ko-KR" altLang="en-US" sz="1600" dirty="0" smtClean="0">
+                <a:ea typeface="굴림" panose="020B0600000101010101" pitchFamily="50" charset="-127"/>
+              </a:rPr>
+              <a:t>을 </a:t>
+            </a:r>
+            <a:r>
+              <a:rPr lang="en-US" altLang="ko-KR" sz="1600" dirty="0" smtClean="0">
+                <a:ea typeface="굴림" panose="020B0600000101010101" pitchFamily="50" charset="-127"/>
+              </a:rPr>
+              <a:t/>
+            </a:r>
+            <a:br>
+              <a:rPr lang="en-US" altLang="ko-KR" sz="1600" dirty="0" smtClean="0">
+                <a:ea typeface="굴림" panose="020B0600000101010101" pitchFamily="50" charset="-127"/>
+              </a:rPr>
+            </a:br>
+            <a:r>
+              <a:rPr lang="ko-KR" altLang="en-US" sz="1600" dirty="0" smtClean="0">
+                <a:ea typeface="굴림" panose="020B0600000101010101" pitchFamily="50" charset="-127"/>
+              </a:rPr>
+              <a:t>개발하여 수많은 가상의 </a:t>
+            </a:r>
+            <a:r>
+              <a:rPr lang="en-US" altLang="ko-KR" sz="1600" dirty="0" smtClean="0">
+                <a:ea typeface="굴림" panose="020B0600000101010101" pitchFamily="50" charset="-127"/>
+              </a:rPr>
+              <a:t>driving cycle</a:t>
+            </a:r>
+            <a:r>
+              <a:rPr lang="ko-KR" altLang="en-US" sz="1600" dirty="0" smtClean="0">
+                <a:ea typeface="굴림" panose="020B0600000101010101" pitchFamily="50" charset="-127"/>
+              </a:rPr>
+              <a:t>을 </a:t>
+            </a:r>
+            <a:r>
+              <a:rPr lang="ko-KR" altLang="en-US" sz="1600" dirty="0" err="1" smtClean="0">
+                <a:ea typeface="굴림" panose="020B0600000101010101" pitchFamily="50" charset="-127"/>
+              </a:rPr>
+              <a:t>만듬</a:t>
+            </a:r>
+            <a:r>
+              <a:rPr lang="ko-KR" altLang="en-US" sz="1600" dirty="0" smtClean="0">
+                <a:ea typeface="굴림" panose="020B0600000101010101" pitchFamily="50" charset="-127"/>
+              </a:rPr>
+              <a:t> </a:t>
+            </a:r>
+            <a:endParaRPr lang="en-US" altLang="ko-KR" sz="1600" dirty="0" smtClean="0">
+              <a:ea typeface="굴림" panose="020B0600000101010101" pitchFamily="50" charset="-127"/>
+            </a:endParaRPr>
+          </a:p>
+          <a:p>
+            <a:pPr marL="342900" indent="-342900">
+              <a:buFont typeface="Arial" panose="020B0604020202020204" pitchFamily="34" charset="0"/>
+              <a:buChar char="•"/>
+              <a:defRPr/>
+            </a:pPr>
+            <a:endParaRPr lang="en-US" altLang="ko-KR" sz="1600" dirty="0">
+              <a:ea typeface="굴림" panose="020B0600000101010101" pitchFamily="50" charset="-127"/>
+            </a:endParaRPr>
+          </a:p>
+          <a:p>
+            <a:pPr marL="342900" indent="-342900">
+              <a:buFont typeface="Arial" panose="020B0604020202020204" pitchFamily="34" charset="0"/>
+              <a:buChar char="•"/>
+              <a:defRPr/>
+            </a:pPr>
+            <a:r>
+              <a:rPr lang="ko-KR" altLang="en-US" sz="1600" dirty="0" smtClean="0">
+                <a:ea typeface="굴림" panose="020B0600000101010101" pitchFamily="50" charset="-127"/>
+              </a:rPr>
+              <a:t>이러한 방식은 일종의 </a:t>
+            </a:r>
+            <a:r>
+              <a:rPr lang="en-US" altLang="ko-KR" sz="1600" dirty="0" smtClean="0">
+                <a:ea typeface="굴림" panose="020B0600000101010101" pitchFamily="50" charset="-127"/>
+              </a:rPr>
+              <a:t>data augmentation </a:t>
+            </a:r>
+            <a:r>
+              <a:rPr lang="ko-KR" altLang="en-US" sz="1600" dirty="0" smtClean="0">
+                <a:ea typeface="굴림" panose="020B0600000101010101" pitchFamily="50" charset="-127"/>
+              </a:rPr>
+              <a:t>방식으로 간주할 수 있음</a:t>
+            </a:r>
+            <a:endParaRPr lang="en-US" altLang="ko-KR" sz="1600" dirty="0">
+              <a:ea typeface="굴림" panose="020B0600000101010101" pitchFamily="50" charset="-127"/>
+            </a:endParaRPr>
+          </a:p>
+          <a:p>
+            <a:pPr marL="342900" indent="-342900">
+              <a:buFont typeface="Arial" panose="020B0604020202020204" pitchFamily="34" charset="0"/>
+              <a:buChar char="•"/>
+              <a:defRPr/>
+            </a:pPr>
+            <a:endParaRPr lang="en-US" altLang="ko-KR" sz="1600" dirty="0" smtClean="0">
+              <a:ea typeface="굴림" panose="020B0600000101010101" pitchFamily="50" charset="-127"/>
+            </a:endParaRPr>
+          </a:p>
+          <a:p>
+            <a:pPr marL="342900" indent="-342900">
+              <a:buFont typeface="Arial" panose="020B0604020202020204" pitchFamily="34" charset="0"/>
+              <a:buChar char="•"/>
+              <a:defRPr/>
+            </a:pPr>
+            <a:r>
+              <a:rPr lang="en-US" altLang="ko-KR" sz="1600" dirty="0" smtClean="0">
+                <a:ea typeface="굴림" panose="020B0600000101010101" pitchFamily="50" charset="-127"/>
+              </a:rPr>
+              <a:t>Data Augmentation</a:t>
+            </a:r>
+            <a:r>
+              <a:rPr lang="ko-KR" altLang="en-US" sz="1600" dirty="0" smtClean="0">
+                <a:ea typeface="굴림" panose="020B0600000101010101" pitchFamily="50" charset="-127"/>
+              </a:rPr>
+              <a:t>은 이미지 인식 모델에 적용되어 모델의 일반화 성능을 크게 </a:t>
+            </a:r>
+            <a:r>
+              <a:rPr lang="ko-KR" altLang="en-US" sz="1600" dirty="0" err="1" smtClean="0">
+                <a:ea typeface="굴림" panose="020B0600000101010101" pitchFamily="50" charset="-127"/>
+              </a:rPr>
+              <a:t>증가시킨바</a:t>
+            </a:r>
+            <a:r>
+              <a:rPr lang="ko-KR" altLang="en-US" sz="1600" dirty="0" smtClean="0">
+                <a:ea typeface="굴림" panose="020B0600000101010101" pitchFamily="50" charset="-127"/>
+              </a:rPr>
+              <a:t> 있음</a:t>
+            </a:r>
+            <a:endParaRPr lang="en-US" altLang="ko-KR" sz="1600" b="1" dirty="0">
+              <a:ea typeface="굴림" panose="020B0600000101010101" pitchFamily="50" charset="-127"/>
+            </a:endParaRPr>
+          </a:p>
+          <a:p>
+            <a:pPr marL="342900" indent="-342900">
+              <a:buFont typeface="Arial" panose="020B0604020202020204" pitchFamily="34" charset="0"/>
+              <a:buChar char="•"/>
+              <a:defRPr/>
+            </a:pPr>
+            <a:endParaRPr lang="en-US" altLang="ko-KR" sz="1600" dirty="0">
+              <a:solidFill>
+                <a:srgbClr val="FF0000"/>
+              </a:solidFill>
+              <a:ea typeface="굴림" panose="020B0600000101010101" pitchFamily="50" charset="-127"/>
+            </a:endParaRPr>
+          </a:p>
+        </p:txBody>
+      </p:sp>
+      <p:sp>
+        <p:nvSpPr>
+          <p:cNvPr id="7" name="TextBox 6"/>
+          <p:cNvSpPr txBox="1"/>
+          <p:nvPr/>
+        </p:nvSpPr>
+        <p:spPr>
+          <a:xfrm>
+            <a:off x="2397527" y="3834143"/>
+            <a:ext cx="8234451" cy="369332"/>
+          </a:xfrm>
+          <a:prstGeom prst="rect">
+            <a:avLst/>
+          </a:prstGeom>
+          <a:noFill/>
+        </p:spPr>
+        <p:txBody>
+          <a:bodyPr wrap="square" rtlCol="0">
+            <a:spAutoFit/>
+          </a:bodyPr>
+          <a:lstStyle/>
+          <a:p>
+            <a:r>
+              <a:rPr lang="ko-KR" altLang="en-US" dirty="0" smtClean="0">
+                <a:solidFill>
+                  <a:srgbClr val="FF0000"/>
+                </a:solidFill>
+              </a:rPr>
+              <a:t>이미지 분야의 </a:t>
+            </a:r>
+            <a:r>
+              <a:rPr lang="en-US" altLang="ko-KR" dirty="0" smtClean="0">
+                <a:solidFill>
+                  <a:srgbClr val="FF0000"/>
+                </a:solidFill>
+              </a:rPr>
+              <a:t>Data augmentation </a:t>
+            </a:r>
+            <a:r>
+              <a:rPr lang="ko-KR" altLang="en-US" dirty="0" smtClean="0">
+                <a:solidFill>
+                  <a:srgbClr val="FF0000"/>
+                </a:solidFill>
+              </a:rPr>
+              <a:t>기술 요약 정리 </a:t>
+            </a:r>
+            <a:endParaRPr lang="ko-KR" altLang="en-US" dirty="0">
+              <a:solidFill>
+                <a:srgbClr val="FF0000"/>
+              </a:solidFill>
+            </a:endParaRPr>
+          </a:p>
+        </p:txBody>
+      </p:sp>
+    </p:spTree>
+    <p:extLst>
+      <p:ext uri="{BB962C8B-B14F-4D97-AF65-F5344CB8AC3E}">
+        <p14:creationId xmlns:p14="http://schemas.microsoft.com/office/powerpoint/2010/main" val="4110963853"/>
+      </p:ext>
+    </p:extLst>
+  </p:cSld>
+  <p:clrMapOvr>
+    <a:masterClrMapping/>
+  </p:clrMapOvr>
+  <p:timing>
+    <p:tnLst>
+      <p:par>
+        <p:cTn id="1" dur="indefinite" restart="never" nodeType="tmRoot"/>
+      </p:par>
+    </p:tnLst>
+  </p:timing>
+</p:sld>
+</file>
+
+<file path=ppt/slides/slide23.xml><?xml version="1.0" encoding="utf-8"?>
+<p:sld xmlns:a="http://schemas.openxmlformats.org/drawingml/2006/main" xmlns:r="http://schemas.openxmlformats.org/officeDocument/2006/relationships" xmlns:p="http://schemas.openxmlformats.org/presentationml/2006/main">
+  <p:cSld>
+    <p:spTree>
+      <p:nvGrpSpPr>
+        <p:cNvPr id="1" name=""/>
+        <p:cNvGrpSpPr/>
+        <p:nvPr/>
+      </p:nvGrpSpPr>
+      <p:grpSpPr>
+        <a:xfrm>
+          <a:off x="0" y="0"/>
+          <a:ext cx="0" cy="0"/>
+          <a:chOff x="0" y="0"/>
+          <a:chExt cx="0" cy="0"/>
+        </a:xfrm>
+      </p:grpSpPr>
+      <p:pic>
+        <p:nvPicPr>
+          <p:cNvPr id="2" name="그림 1"/>
+          <p:cNvPicPr>
+            <a:picLocks noChangeAspect="1"/>
+          </p:cNvPicPr>
+          <p:nvPr/>
+        </p:nvPicPr>
+        <p:blipFill>
+          <a:blip r:embed="rId2">
+            <a:extLst>
+              <a:ext uri="{28A0092B-C50C-407E-A947-70E740481C1C}">
+                <a14:useLocalDpi xmlns:a14="http://schemas.microsoft.com/office/drawing/2010/main" val="0"/>
+              </a:ext>
+            </a:extLst>
+          </a:blip>
+          <a:stretch>
+            <a:fillRect/>
+          </a:stretch>
+        </p:blipFill>
+        <p:spPr>
+          <a:xfrm>
+            <a:off x="4296295" y="2228502"/>
+            <a:ext cx="7895705" cy="3947853"/>
+          </a:xfrm>
+          <a:prstGeom prst="rect">
+            <a:avLst/>
+          </a:prstGeom>
+        </p:spPr>
+      </p:pic>
+      <p:sp>
+        <p:nvSpPr>
+          <p:cNvPr id="4" name="제목 3"/>
+          <p:cNvSpPr>
+            <a:spLocks noGrp="1"/>
+          </p:cNvSpPr>
+          <p:nvPr>
+            <p:ph type="title"/>
+          </p:nvPr>
+        </p:nvSpPr>
+        <p:spPr/>
+        <p:txBody>
+          <a:bodyPr>
+            <a:normAutofit/>
+          </a:bodyPr>
+          <a:lstStyle/>
+          <a:p>
+            <a:r>
+              <a:rPr lang="en-US" altLang="ko-KR" sz="2800" dirty="0" smtClean="0"/>
+              <a:t>Research</a:t>
+            </a:r>
+            <a:endParaRPr lang="ko-KR" altLang="en-US" sz="2800" dirty="0"/>
+          </a:p>
+        </p:txBody>
+      </p:sp>
+      <p:sp>
+        <p:nvSpPr>
+          <p:cNvPr id="15" name="TextBox 14"/>
+          <p:cNvSpPr txBox="1"/>
+          <p:nvPr/>
+        </p:nvSpPr>
+        <p:spPr>
+          <a:xfrm>
+            <a:off x="10285110" y="6234545"/>
+            <a:ext cx="2728086" cy="523220"/>
+          </a:xfrm>
+          <a:prstGeom prst="rect">
+            <a:avLst/>
+          </a:prstGeom>
+          <a:noFill/>
+        </p:spPr>
+        <p:txBody>
+          <a:bodyPr wrap="square" rtlCol="0">
+            <a:spAutoFit/>
+          </a:bodyPr>
+          <a:lstStyle/>
+          <a:p>
+            <a:r>
+              <a:rPr lang="en-US" altLang="ko-KR" sz="2800" b="1" i="1" dirty="0">
+                <a:solidFill>
+                  <a:srgbClr val="002060"/>
+                </a:solidFill>
+                <a:latin typeface="Cambria Math" panose="02040503050406030204" pitchFamily="18" charset="0"/>
+                <a:ea typeface="Cambria Math" panose="02040503050406030204" pitchFamily="18" charset="0"/>
+              </a:rPr>
+              <a:t>RECL</a:t>
+            </a:r>
+            <a:endParaRPr lang="ko-KR" altLang="en-US" sz="2800" b="1" i="1" dirty="0">
+              <a:solidFill>
+                <a:srgbClr val="002060"/>
+              </a:solidFill>
+              <a:latin typeface="Cambria Math" panose="02040503050406030204" pitchFamily="18" charset="0"/>
+            </a:endParaRPr>
+          </a:p>
+        </p:txBody>
+      </p:sp>
+      <p:sp>
+        <p:nvSpPr>
+          <p:cNvPr id="14" name="Text Box 339"/>
+          <p:cNvSpPr txBox="1">
+            <a:spLocks noChangeArrowheads="1"/>
+          </p:cNvSpPr>
+          <p:nvPr/>
+        </p:nvSpPr>
+        <p:spPr bwMode="auto">
+          <a:xfrm>
+            <a:off x="323850" y="1341438"/>
+            <a:ext cx="184150" cy="366712"/>
+          </a:xfrm>
+          <a:prstGeom prst="rect">
+            <a:avLst/>
+          </a:prstGeom>
+          <a:noFill/>
+          <a:ln>
+            <a:noFill/>
+          </a:ln>
+          <a:effectLst/>
+          <a:extLst>
+            <a:ext uri="{909E8E84-426E-40DD-AFC4-6F175D3DCCD1}">
+              <a14:hiddenFill xmlns:a14="http://schemas.microsoft.com/office/drawing/2010/main">
+                <a:solidFill>
+                  <a:schemeClr val="accent1"/>
+                </a:solidFill>
+              </a14:hiddenFill>
+            </a:ext>
+            <a:ext uri="{91240B29-F687-4F45-9708-019B960494DF}">
+              <a14:hiddenLine xmlns:a14="http://schemas.microsoft.com/office/drawing/2010/main" w="9525">
+                <a:solidFill>
+                  <a:schemeClr val="tx1"/>
+                </a:solidFill>
+                <a:miter lim="800000"/>
+                <a:headEnd/>
+                <a:tailEnd/>
+              </a14:hiddenLine>
+            </a:ext>
+            <a:ext uri="{AF507438-7753-43E0-B8FC-AC1667EBCBE1}">
+              <a14:hiddenEffects xmlns:a14="http://schemas.microsoft.com/office/drawing/2010/main">
+                <a:effectLst>
+                  <a:outerShdw dist="35921" dir="2700000" algn="ctr" rotWithShape="0">
+                    <a:schemeClr val="bg2"/>
+                  </a:outerShdw>
+                </a:effectLst>
+              </a14:hiddenEffects>
+            </a:ext>
+          </a:extLst>
+        </p:spPr>
+        <p:txBody>
+          <a:bodyPr wrap="none">
+            <a:spAutoFit/>
+          </a:bodyPr>
+          <a:lstStyle>
+            <a:lvl1pPr>
+              <a:defRPr>
+                <a:solidFill>
+                  <a:schemeClr val="tx1"/>
+                </a:solidFill>
+                <a:latin typeface="Arial" panose="020B0604020202020204" pitchFamily="34" charset="0"/>
+              </a:defRPr>
+            </a:lvl1pPr>
+            <a:lvl2pPr marL="742950" indent="-285750">
+              <a:defRPr>
+                <a:solidFill>
+                  <a:schemeClr val="tx1"/>
+                </a:solidFill>
+                <a:latin typeface="Arial" panose="020B0604020202020204" pitchFamily="34" charset="0"/>
+              </a:defRPr>
+            </a:lvl2pPr>
+            <a:lvl3pPr marL="1143000" indent="-228600">
+              <a:defRPr>
+                <a:solidFill>
+                  <a:schemeClr val="tx1"/>
+                </a:solidFill>
+                <a:latin typeface="Arial" panose="020B0604020202020204" pitchFamily="34" charset="0"/>
+              </a:defRPr>
+            </a:lvl3pPr>
+            <a:lvl4pPr marL="1600200" indent="-228600">
+              <a:defRPr>
+                <a:solidFill>
+                  <a:schemeClr val="tx1"/>
+                </a:solidFill>
+                <a:latin typeface="Arial" panose="020B0604020202020204" pitchFamily="34" charset="0"/>
+              </a:defRPr>
+            </a:lvl4pPr>
+            <a:lvl5pPr marL="2057400" indent="-228600">
+              <a:defRPr>
+                <a:solidFill>
+                  <a:schemeClr val="tx1"/>
+                </a:solidFill>
+                <a:latin typeface="Arial" panose="020B0604020202020204" pitchFamily="34" charset="0"/>
+              </a:defRPr>
+            </a:lvl5pPr>
+            <a:lvl6pPr marL="2514600" indent="-228600" eaLnBrk="0" fontAlgn="base" hangingPunct="0">
+              <a:spcBef>
+                <a:spcPct val="0"/>
+              </a:spcBef>
+              <a:spcAft>
+                <a:spcPct val="0"/>
+              </a:spcAft>
+              <a:defRPr>
+                <a:solidFill>
+                  <a:schemeClr val="tx1"/>
+                </a:solidFill>
+                <a:latin typeface="Arial" panose="020B0604020202020204" pitchFamily="34" charset="0"/>
+              </a:defRPr>
+            </a:lvl6pPr>
+            <a:lvl7pPr marL="2971800" indent="-228600" eaLnBrk="0" fontAlgn="base" hangingPunct="0">
+              <a:spcBef>
+                <a:spcPct val="0"/>
+              </a:spcBef>
+              <a:spcAft>
+                <a:spcPct val="0"/>
+              </a:spcAft>
+              <a:defRPr>
+                <a:solidFill>
+                  <a:schemeClr val="tx1"/>
+                </a:solidFill>
+                <a:latin typeface="Arial" panose="020B0604020202020204" pitchFamily="34" charset="0"/>
+              </a:defRPr>
+            </a:lvl7pPr>
+            <a:lvl8pPr marL="3429000" indent="-228600" eaLnBrk="0" fontAlgn="base" hangingPunct="0">
+              <a:spcBef>
+                <a:spcPct val="0"/>
+              </a:spcBef>
+              <a:spcAft>
+                <a:spcPct val="0"/>
+              </a:spcAft>
+              <a:defRPr>
+                <a:solidFill>
+                  <a:schemeClr val="tx1"/>
+                </a:solidFill>
+                <a:latin typeface="Arial" panose="020B0604020202020204" pitchFamily="34" charset="0"/>
+              </a:defRPr>
+            </a:lvl8pPr>
+            <a:lvl9pPr marL="3886200" indent="-228600" eaLnBrk="0" fontAlgn="base" hangingPunct="0">
+              <a:spcBef>
+                <a:spcPct val="0"/>
+              </a:spcBef>
+              <a:spcAft>
+                <a:spcPct val="0"/>
+              </a:spcAft>
+              <a:defRPr>
+                <a:solidFill>
+                  <a:schemeClr val="tx1"/>
+                </a:solidFill>
+                <a:latin typeface="Arial" panose="020B0604020202020204" pitchFamily="34" charset="0"/>
+              </a:defRPr>
+            </a:lvl9pPr>
+          </a:lstStyle>
+          <a:p>
+            <a:pPr eaLnBrk="1" hangingPunct="1"/>
+            <a:endParaRPr lang="pt-PT" altLang="pt-PT"/>
+          </a:p>
+        </p:txBody>
+      </p:sp>
+      <p:sp>
+        <p:nvSpPr>
+          <p:cNvPr id="16" name="TextBox 54"/>
+          <p:cNvSpPr txBox="1">
+            <a:spLocks noChangeArrowheads="1"/>
+          </p:cNvSpPr>
+          <p:nvPr/>
+        </p:nvSpPr>
+        <p:spPr bwMode="auto">
+          <a:xfrm>
+            <a:off x="838199" y="1156803"/>
+            <a:ext cx="8571807" cy="400110"/>
+          </a:xfrm>
+          <a:prstGeom prst="rect">
+            <a:avLst/>
+          </a:prstGeom>
+          <a:noFill/>
+          <a:ln>
+            <a:noFill/>
+          </a:ln>
+          <a:extLst>
+            <a:ext uri="{909E8E84-426E-40DD-AFC4-6F175D3DCCD1}">
+              <a14:hiddenFill xmlns:a14="http://schemas.microsoft.com/office/drawing/2010/main">
+                <a:solidFill>
+                  <a:srgbClr val="FFFFFF"/>
+                </a:solidFill>
+              </a14:hiddenFill>
+            </a:ext>
+            <a:ext uri="{91240B29-F687-4F45-9708-019B960494DF}">
+              <a14:hiddenLine xmlns:a14="http://schemas.microsoft.com/office/drawing/2010/main" w="9525">
+                <a:solidFill>
+                  <a:srgbClr val="000000"/>
+                </a:solidFill>
+                <a:miter lim="800000"/>
+                <a:headEnd/>
+                <a:tailEnd/>
+              </a14:hiddenLine>
+            </a:ext>
+          </a:extLst>
+        </p:spPr>
+        <p:txBody>
+          <a:bodyPr wrap="square">
+            <a:spAutoFit/>
+          </a:bodyPr>
+          <a:lstStyle>
+            <a:lvl1pPr>
+              <a:defRPr>
+                <a:solidFill>
+                  <a:schemeClr val="tx1"/>
+                </a:solidFill>
+                <a:latin typeface="Arial" panose="020B0604020202020204" pitchFamily="34" charset="0"/>
+              </a:defRPr>
+            </a:lvl1pPr>
+            <a:lvl2pPr marL="742950" indent="-285750">
+              <a:defRPr>
+                <a:solidFill>
+                  <a:schemeClr val="tx1"/>
+                </a:solidFill>
+                <a:latin typeface="Arial" panose="020B0604020202020204" pitchFamily="34" charset="0"/>
+              </a:defRPr>
+            </a:lvl2pPr>
+            <a:lvl3pPr marL="1143000" indent="-228600">
+              <a:defRPr>
+                <a:solidFill>
+                  <a:schemeClr val="tx1"/>
+                </a:solidFill>
+                <a:latin typeface="Arial" panose="020B0604020202020204" pitchFamily="34" charset="0"/>
+              </a:defRPr>
+            </a:lvl3pPr>
+            <a:lvl4pPr marL="1600200" indent="-228600">
+              <a:defRPr>
+                <a:solidFill>
+                  <a:schemeClr val="tx1"/>
+                </a:solidFill>
+                <a:latin typeface="Arial" panose="020B0604020202020204" pitchFamily="34" charset="0"/>
+              </a:defRPr>
+            </a:lvl4pPr>
+            <a:lvl5pPr marL="2057400" indent="-228600">
+              <a:defRPr>
+                <a:solidFill>
+                  <a:schemeClr val="tx1"/>
+                </a:solidFill>
+                <a:latin typeface="Arial" panose="020B0604020202020204" pitchFamily="34" charset="0"/>
+              </a:defRPr>
+            </a:lvl5pPr>
+            <a:lvl6pPr marL="2514600" indent="-228600" eaLnBrk="0" fontAlgn="base" hangingPunct="0">
+              <a:spcBef>
+                <a:spcPct val="0"/>
+              </a:spcBef>
+              <a:spcAft>
+                <a:spcPct val="0"/>
+              </a:spcAft>
+              <a:defRPr>
+                <a:solidFill>
+                  <a:schemeClr val="tx1"/>
+                </a:solidFill>
+                <a:latin typeface="Arial" panose="020B0604020202020204" pitchFamily="34" charset="0"/>
+              </a:defRPr>
+            </a:lvl6pPr>
+            <a:lvl7pPr marL="2971800" indent="-228600" eaLnBrk="0" fontAlgn="base" hangingPunct="0">
+              <a:spcBef>
+                <a:spcPct val="0"/>
+              </a:spcBef>
+              <a:spcAft>
+                <a:spcPct val="0"/>
+              </a:spcAft>
+              <a:defRPr>
+                <a:solidFill>
+                  <a:schemeClr val="tx1"/>
+                </a:solidFill>
+                <a:latin typeface="Arial" panose="020B0604020202020204" pitchFamily="34" charset="0"/>
+              </a:defRPr>
+            </a:lvl7pPr>
+            <a:lvl8pPr marL="3429000" indent="-228600" eaLnBrk="0" fontAlgn="base" hangingPunct="0">
+              <a:spcBef>
+                <a:spcPct val="0"/>
+              </a:spcBef>
+              <a:spcAft>
+                <a:spcPct val="0"/>
+              </a:spcAft>
+              <a:defRPr>
+                <a:solidFill>
+                  <a:schemeClr val="tx1"/>
+                </a:solidFill>
+                <a:latin typeface="Arial" panose="020B0604020202020204" pitchFamily="34" charset="0"/>
+              </a:defRPr>
+            </a:lvl8pPr>
+            <a:lvl9pPr marL="3886200" indent="-228600" eaLnBrk="0" fontAlgn="base" hangingPunct="0">
+              <a:spcBef>
+                <a:spcPct val="0"/>
+              </a:spcBef>
+              <a:spcAft>
+                <a:spcPct val="0"/>
+              </a:spcAft>
+              <a:defRPr>
+                <a:solidFill>
+                  <a:schemeClr val="tx1"/>
+                </a:solidFill>
+                <a:latin typeface="Arial" panose="020B0604020202020204" pitchFamily="34" charset="0"/>
+              </a:defRPr>
+            </a:lvl9pPr>
+          </a:lstStyle>
+          <a:p>
+            <a:r>
+              <a:rPr lang="en-US" altLang="ko-KR" sz="2000" b="1" dirty="0" smtClean="0">
+                <a:ea typeface="굴림" panose="020B0600000101010101" pitchFamily="50" charset="-127"/>
+              </a:rPr>
+              <a:t>Generalized Power management </a:t>
+            </a:r>
+            <a:endParaRPr lang="ko-KR" altLang="en-US" sz="2000" b="1" dirty="0">
+              <a:ea typeface="굴림" panose="020B0600000101010101" pitchFamily="50" charset="-127"/>
+            </a:endParaRPr>
+          </a:p>
+        </p:txBody>
+      </p:sp>
+      <p:sp>
+        <p:nvSpPr>
+          <p:cNvPr id="17" name="Text Box 340"/>
+          <p:cNvSpPr txBox="1">
+            <a:spLocks noChangeArrowheads="1"/>
+          </p:cNvSpPr>
+          <p:nvPr/>
+        </p:nvSpPr>
+        <p:spPr bwMode="auto">
+          <a:xfrm>
+            <a:off x="1115616" y="1556853"/>
+            <a:ext cx="10306072" cy="830997"/>
+          </a:xfrm>
+          <a:prstGeom prst="rect">
+            <a:avLst/>
+          </a:prstGeom>
+          <a:noFill/>
+          <a:ln>
+            <a:noFill/>
+          </a:ln>
+          <a:effectLst/>
+          <a:extLst>
+            <a:ext uri="{909E8E84-426E-40DD-AFC4-6F175D3DCCD1}">
+              <a14:hiddenFill xmlns:a14="http://schemas.microsoft.com/office/drawing/2010/main">
+                <a:solidFill>
+                  <a:schemeClr val="accent1"/>
+                </a:solidFill>
+              </a14:hiddenFill>
+            </a:ext>
+            <a:ext uri="{91240B29-F687-4F45-9708-019B960494DF}">
+              <a14:hiddenLine xmlns:a14="http://schemas.microsoft.com/office/drawing/2010/main" w="9525">
+                <a:solidFill>
+                  <a:schemeClr val="tx1"/>
+                </a:solidFill>
+                <a:miter lim="800000"/>
+                <a:headEnd/>
+                <a:tailEnd/>
+              </a14:hiddenLine>
+            </a:ext>
+            <a:ext uri="{AF507438-7753-43E0-B8FC-AC1667EBCBE1}">
+              <a14:hiddenEffects xmlns:a14="http://schemas.microsoft.com/office/drawing/2010/main">
+                <a:effectLst>
+                  <a:outerShdw dist="35921" dir="2700000" algn="ctr" rotWithShape="0">
+                    <a:schemeClr val="bg2"/>
+                  </a:outerShdw>
+                </a:effectLst>
+              </a14:hiddenEffects>
+            </a:ext>
+          </a:extLst>
+        </p:spPr>
+        <p:txBody>
+          <a:bodyPr wrap="square">
+            <a:spAutoFit/>
+          </a:bodyPr>
+          <a:lstStyle>
+            <a:lvl1pPr>
+              <a:defRPr>
+                <a:solidFill>
+                  <a:schemeClr val="tx1"/>
+                </a:solidFill>
+                <a:latin typeface="Arial" panose="020B0604020202020204" pitchFamily="34" charset="0"/>
+              </a:defRPr>
+            </a:lvl1pPr>
+            <a:lvl2pPr marL="742950" indent="-285750">
+              <a:defRPr>
+                <a:solidFill>
+                  <a:schemeClr val="tx1"/>
+                </a:solidFill>
+                <a:latin typeface="Arial" panose="020B0604020202020204" pitchFamily="34" charset="0"/>
+              </a:defRPr>
+            </a:lvl2pPr>
+            <a:lvl3pPr marL="1143000" indent="-228600">
+              <a:defRPr>
+                <a:solidFill>
+                  <a:schemeClr val="tx1"/>
+                </a:solidFill>
+                <a:latin typeface="Arial" panose="020B0604020202020204" pitchFamily="34" charset="0"/>
+              </a:defRPr>
+            </a:lvl3pPr>
+            <a:lvl4pPr marL="1600200" indent="-228600">
+              <a:defRPr>
+                <a:solidFill>
+                  <a:schemeClr val="tx1"/>
+                </a:solidFill>
+                <a:latin typeface="Arial" panose="020B0604020202020204" pitchFamily="34" charset="0"/>
+              </a:defRPr>
+            </a:lvl4pPr>
+            <a:lvl5pPr marL="2057400" indent="-228600">
+              <a:defRPr>
+                <a:solidFill>
+                  <a:schemeClr val="tx1"/>
+                </a:solidFill>
+                <a:latin typeface="Arial" panose="020B0604020202020204" pitchFamily="34" charset="0"/>
+              </a:defRPr>
+            </a:lvl5pPr>
+            <a:lvl6pPr marL="2514600" indent="-228600" eaLnBrk="0" fontAlgn="base" hangingPunct="0">
+              <a:spcBef>
+                <a:spcPct val="0"/>
+              </a:spcBef>
+              <a:spcAft>
+                <a:spcPct val="0"/>
+              </a:spcAft>
+              <a:defRPr>
+                <a:solidFill>
+                  <a:schemeClr val="tx1"/>
+                </a:solidFill>
+                <a:latin typeface="Arial" panose="020B0604020202020204" pitchFamily="34" charset="0"/>
+              </a:defRPr>
+            </a:lvl6pPr>
+            <a:lvl7pPr marL="2971800" indent="-228600" eaLnBrk="0" fontAlgn="base" hangingPunct="0">
+              <a:spcBef>
+                <a:spcPct val="0"/>
+              </a:spcBef>
+              <a:spcAft>
+                <a:spcPct val="0"/>
+              </a:spcAft>
+              <a:defRPr>
+                <a:solidFill>
+                  <a:schemeClr val="tx1"/>
+                </a:solidFill>
+                <a:latin typeface="Arial" panose="020B0604020202020204" pitchFamily="34" charset="0"/>
+              </a:defRPr>
+            </a:lvl7pPr>
+            <a:lvl8pPr marL="3429000" indent="-228600" eaLnBrk="0" fontAlgn="base" hangingPunct="0">
+              <a:spcBef>
+                <a:spcPct val="0"/>
+              </a:spcBef>
+              <a:spcAft>
+                <a:spcPct val="0"/>
+              </a:spcAft>
+              <a:defRPr>
+                <a:solidFill>
+                  <a:schemeClr val="tx1"/>
+                </a:solidFill>
+                <a:latin typeface="Arial" panose="020B0604020202020204" pitchFamily="34" charset="0"/>
+              </a:defRPr>
+            </a:lvl8pPr>
+            <a:lvl9pPr marL="3886200" indent="-228600" eaLnBrk="0" fontAlgn="base" hangingPunct="0">
+              <a:spcBef>
+                <a:spcPct val="0"/>
+              </a:spcBef>
+              <a:spcAft>
+                <a:spcPct val="0"/>
+              </a:spcAft>
+              <a:defRPr>
+                <a:solidFill>
+                  <a:schemeClr val="tx1"/>
+                </a:solidFill>
+                <a:latin typeface="Arial" panose="020B0604020202020204" pitchFamily="34" charset="0"/>
+              </a:defRPr>
+            </a:lvl9pPr>
+          </a:lstStyle>
+          <a:p>
+            <a:pPr marL="342900" indent="-342900">
+              <a:buFont typeface="Arial" panose="020B0604020202020204" pitchFamily="34" charset="0"/>
+              <a:buChar char="•"/>
+              <a:defRPr/>
+            </a:pPr>
+            <a:r>
+              <a:rPr lang="en-US" altLang="ko-KR" sz="1600" dirty="0" smtClean="0">
+                <a:solidFill>
+                  <a:srgbClr val="FF0000"/>
+                </a:solidFill>
+                <a:ea typeface="굴림" panose="020B0600000101010101" pitchFamily="50" charset="-127"/>
+              </a:rPr>
+              <a:t>MDP </a:t>
+            </a:r>
+            <a:r>
+              <a:rPr lang="ko-KR" altLang="en-US" sz="1600" dirty="0" smtClean="0">
+                <a:solidFill>
+                  <a:srgbClr val="FF0000"/>
+                </a:solidFill>
+                <a:ea typeface="굴림" panose="020B0600000101010101" pitchFamily="50" charset="-127"/>
+              </a:rPr>
+              <a:t>모델의 이론적 정리 </a:t>
+            </a:r>
+            <a:r>
+              <a:rPr lang="en-US" altLang="ko-KR" sz="1600" dirty="0" smtClean="0">
+                <a:solidFill>
+                  <a:srgbClr val="FF0000"/>
+                </a:solidFill>
+                <a:ea typeface="굴림" panose="020B0600000101010101" pitchFamily="50" charset="-127"/>
+              </a:rPr>
+              <a:t>(Transition matrix) </a:t>
+            </a:r>
+            <a:r>
+              <a:rPr lang="ko-KR" altLang="en-US" sz="1600" dirty="0" smtClean="0">
+                <a:solidFill>
+                  <a:srgbClr val="FF0000"/>
+                </a:solidFill>
+                <a:ea typeface="굴림" panose="020B0600000101010101" pitchFamily="50" charset="-127"/>
+              </a:rPr>
+              <a:t>등 </a:t>
+            </a:r>
+            <a:endParaRPr lang="en-US" altLang="ko-KR" sz="1600" dirty="0">
+              <a:solidFill>
+                <a:srgbClr val="FF0000"/>
+              </a:solidFill>
+              <a:ea typeface="굴림" panose="020B0600000101010101" pitchFamily="50" charset="-127"/>
+            </a:endParaRPr>
+          </a:p>
+          <a:p>
+            <a:pPr marL="342900" indent="-342900">
+              <a:buFont typeface="Arial" panose="020B0604020202020204" pitchFamily="34" charset="0"/>
+              <a:buChar char="•"/>
+              <a:defRPr/>
+            </a:pPr>
+            <a:endParaRPr lang="en-US" altLang="ko-KR" sz="1600" dirty="0" smtClean="0">
+              <a:ea typeface="굴림" panose="020B0600000101010101" pitchFamily="50" charset="-127"/>
+            </a:endParaRPr>
+          </a:p>
+          <a:p>
+            <a:pPr marL="342900" indent="-342900">
+              <a:buFont typeface="Arial" panose="020B0604020202020204" pitchFamily="34" charset="0"/>
+              <a:buChar char="•"/>
+              <a:defRPr/>
+            </a:pPr>
+            <a:endParaRPr lang="en-US" altLang="ko-KR" sz="1600" dirty="0">
+              <a:solidFill>
+                <a:srgbClr val="FF0000"/>
+              </a:solidFill>
+              <a:ea typeface="굴림" panose="020B0600000101010101" pitchFamily="50" charset="-127"/>
+            </a:endParaRPr>
+          </a:p>
+        </p:txBody>
+      </p:sp>
+      <p:sp>
+        <p:nvSpPr>
+          <p:cNvPr id="7" name="TextBox 6"/>
+          <p:cNvSpPr txBox="1"/>
+          <p:nvPr/>
+        </p:nvSpPr>
+        <p:spPr>
+          <a:xfrm>
+            <a:off x="7408463" y="1876242"/>
+            <a:ext cx="2876647" cy="646331"/>
+          </a:xfrm>
+          <a:prstGeom prst="rect">
+            <a:avLst/>
+          </a:prstGeom>
+          <a:noFill/>
+        </p:spPr>
+        <p:txBody>
+          <a:bodyPr wrap="square" rtlCol="0">
+            <a:spAutoFit/>
+          </a:bodyPr>
+          <a:lstStyle/>
+          <a:p>
+            <a:r>
+              <a:rPr lang="en-US" altLang="ko-KR" dirty="0" smtClean="0">
+                <a:solidFill>
+                  <a:srgbClr val="FF0000"/>
+                </a:solidFill>
+              </a:rPr>
+              <a:t>Driver model</a:t>
+            </a:r>
+            <a:r>
+              <a:rPr lang="ko-KR" altLang="en-US" dirty="0" smtClean="0">
+                <a:solidFill>
+                  <a:srgbClr val="FF0000"/>
+                </a:solidFill>
+              </a:rPr>
+              <a:t>을 통해 </a:t>
+            </a:r>
+            <a:r>
+              <a:rPr lang="en-US" altLang="ko-KR" dirty="0" smtClean="0">
+                <a:solidFill>
+                  <a:srgbClr val="FF0000"/>
+                </a:solidFill>
+              </a:rPr>
+              <a:t/>
+            </a:r>
+            <a:br>
+              <a:rPr lang="en-US" altLang="ko-KR" dirty="0" smtClean="0">
+                <a:solidFill>
+                  <a:srgbClr val="FF0000"/>
+                </a:solidFill>
+              </a:rPr>
+            </a:br>
+            <a:r>
+              <a:rPr lang="ko-KR" altLang="en-US" dirty="0" smtClean="0">
+                <a:solidFill>
+                  <a:srgbClr val="FF0000"/>
+                </a:solidFill>
+              </a:rPr>
+              <a:t>만들어진 </a:t>
+            </a:r>
+            <a:r>
+              <a:rPr lang="en-US" altLang="ko-KR" dirty="0" smtClean="0">
+                <a:solidFill>
+                  <a:srgbClr val="FF0000"/>
+                </a:solidFill>
+              </a:rPr>
+              <a:t>cycle </a:t>
+            </a:r>
+            <a:r>
+              <a:rPr lang="ko-KR" altLang="en-US" dirty="0" smtClean="0">
+                <a:solidFill>
+                  <a:srgbClr val="FF0000"/>
+                </a:solidFill>
+              </a:rPr>
+              <a:t>그림 소개 </a:t>
+            </a:r>
+            <a:endParaRPr lang="ko-KR" altLang="en-US" dirty="0">
+              <a:solidFill>
+                <a:srgbClr val="FF0000"/>
+              </a:solidFill>
+            </a:endParaRPr>
+          </a:p>
+        </p:txBody>
+      </p:sp>
+    </p:spTree>
+    <p:extLst>
+      <p:ext uri="{BB962C8B-B14F-4D97-AF65-F5344CB8AC3E}">
+        <p14:creationId xmlns:p14="http://schemas.microsoft.com/office/powerpoint/2010/main" val="1330812094"/>
+      </p:ext>
+    </p:extLst>
+  </p:cSld>
+  <p:clrMapOvr>
+    <a:masterClrMapping/>
+  </p:clrMapOvr>
+  <p:timing>
+    <p:tnLst>
+      <p:par>
+        <p:cTn id="1" dur="indefinite" restart="never" nodeType="tmRoot"/>
+      </p:par>
+    </p:tnLst>
+  </p:timing>
+</p:sld>
+</file>
+
+<file path=ppt/slides/slide24.xml><?xml version="1.0" encoding="utf-8"?>
+<p:sld xmlns:a="http://schemas.openxmlformats.org/drawingml/2006/main" xmlns:r="http://schemas.openxmlformats.org/officeDocument/2006/relationships" xmlns:p="http://schemas.openxmlformats.org/presentationml/2006/main">
+  <p:cSld>
+    <p:spTree>
+      <p:nvGrpSpPr>
+        <p:cNvPr id="1" name=""/>
+        <p:cNvGrpSpPr/>
+        <p:nvPr/>
+      </p:nvGrpSpPr>
+      <p:grpSpPr>
+        <a:xfrm>
+          <a:off x="0" y="0"/>
+          <a:ext cx="0" cy="0"/>
+          <a:chOff x="0" y="0"/>
+          <a:chExt cx="0" cy="0"/>
+        </a:xfrm>
+      </p:grpSpPr>
+      <p:sp>
+        <p:nvSpPr>
+          <p:cNvPr id="4" name="제목 3"/>
+          <p:cNvSpPr>
+            <a:spLocks noGrp="1"/>
+          </p:cNvSpPr>
+          <p:nvPr>
+            <p:ph type="title"/>
+          </p:nvPr>
+        </p:nvSpPr>
+        <p:spPr/>
+        <p:txBody>
+          <a:bodyPr>
+            <a:normAutofit/>
+          </a:bodyPr>
+          <a:lstStyle/>
+          <a:p>
+            <a:r>
+              <a:rPr lang="en-US" altLang="ko-KR" sz="2800" dirty="0" smtClean="0"/>
+              <a:t>Research</a:t>
+            </a:r>
+            <a:endParaRPr lang="ko-KR" altLang="en-US" sz="2800" dirty="0"/>
+          </a:p>
+        </p:txBody>
+      </p:sp>
+      <p:sp>
+        <p:nvSpPr>
+          <p:cNvPr id="15" name="TextBox 14"/>
+          <p:cNvSpPr txBox="1"/>
+          <p:nvPr/>
+        </p:nvSpPr>
+        <p:spPr>
+          <a:xfrm>
+            <a:off x="10285110" y="6234545"/>
+            <a:ext cx="2728086" cy="523220"/>
+          </a:xfrm>
+          <a:prstGeom prst="rect">
+            <a:avLst/>
+          </a:prstGeom>
+          <a:noFill/>
+        </p:spPr>
+        <p:txBody>
+          <a:bodyPr wrap="square" rtlCol="0">
+            <a:spAutoFit/>
+          </a:bodyPr>
+          <a:lstStyle/>
+          <a:p>
+            <a:r>
+              <a:rPr lang="en-US" altLang="ko-KR" sz="2800" b="1" i="1" dirty="0">
+                <a:solidFill>
+                  <a:srgbClr val="002060"/>
+                </a:solidFill>
+                <a:latin typeface="Cambria Math" panose="02040503050406030204" pitchFamily="18" charset="0"/>
+                <a:ea typeface="Cambria Math" panose="02040503050406030204" pitchFamily="18" charset="0"/>
+              </a:rPr>
+              <a:t>RECL</a:t>
+            </a:r>
+            <a:endParaRPr lang="ko-KR" altLang="en-US" sz="2800" b="1" i="1" dirty="0">
+              <a:solidFill>
+                <a:srgbClr val="002060"/>
+              </a:solidFill>
+              <a:latin typeface="Cambria Math" panose="02040503050406030204" pitchFamily="18" charset="0"/>
+            </a:endParaRPr>
+          </a:p>
+        </p:txBody>
+      </p:sp>
+      <p:sp>
+        <p:nvSpPr>
+          <p:cNvPr id="14" name="Text Box 339"/>
+          <p:cNvSpPr txBox="1">
+            <a:spLocks noChangeArrowheads="1"/>
+          </p:cNvSpPr>
+          <p:nvPr/>
+        </p:nvSpPr>
+        <p:spPr bwMode="auto">
+          <a:xfrm>
+            <a:off x="323850" y="1341438"/>
+            <a:ext cx="184150" cy="366712"/>
+          </a:xfrm>
+          <a:prstGeom prst="rect">
+            <a:avLst/>
+          </a:prstGeom>
+          <a:noFill/>
+          <a:ln>
+            <a:noFill/>
+          </a:ln>
+          <a:effectLst/>
+          <a:extLst>
+            <a:ext uri="{909E8E84-426E-40DD-AFC4-6F175D3DCCD1}">
+              <a14:hiddenFill xmlns:a14="http://schemas.microsoft.com/office/drawing/2010/main">
+                <a:solidFill>
+                  <a:schemeClr val="accent1"/>
+                </a:solidFill>
+              </a14:hiddenFill>
+            </a:ext>
+            <a:ext uri="{91240B29-F687-4F45-9708-019B960494DF}">
+              <a14:hiddenLine xmlns:a14="http://schemas.microsoft.com/office/drawing/2010/main" w="9525">
+                <a:solidFill>
+                  <a:schemeClr val="tx1"/>
+                </a:solidFill>
+                <a:miter lim="800000"/>
+                <a:headEnd/>
+                <a:tailEnd/>
+              </a14:hiddenLine>
+            </a:ext>
+            <a:ext uri="{AF507438-7753-43E0-B8FC-AC1667EBCBE1}">
+              <a14:hiddenEffects xmlns:a14="http://schemas.microsoft.com/office/drawing/2010/main">
+                <a:effectLst>
+                  <a:outerShdw dist="35921" dir="2700000" algn="ctr" rotWithShape="0">
+                    <a:schemeClr val="bg2"/>
+                  </a:outerShdw>
+                </a:effectLst>
+              </a14:hiddenEffects>
+            </a:ext>
+          </a:extLst>
+        </p:spPr>
+        <p:txBody>
+          <a:bodyPr wrap="none">
+            <a:spAutoFit/>
+          </a:bodyPr>
+          <a:lstStyle>
+            <a:lvl1pPr>
+              <a:defRPr>
+                <a:solidFill>
+                  <a:schemeClr val="tx1"/>
+                </a:solidFill>
+                <a:latin typeface="Arial" panose="020B0604020202020204" pitchFamily="34" charset="0"/>
+              </a:defRPr>
+            </a:lvl1pPr>
+            <a:lvl2pPr marL="742950" indent="-285750">
+              <a:defRPr>
+                <a:solidFill>
+                  <a:schemeClr val="tx1"/>
+                </a:solidFill>
+                <a:latin typeface="Arial" panose="020B0604020202020204" pitchFamily="34" charset="0"/>
+              </a:defRPr>
+            </a:lvl2pPr>
+            <a:lvl3pPr marL="1143000" indent="-228600">
+              <a:defRPr>
+                <a:solidFill>
+                  <a:schemeClr val="tx1"/>
+                </a:solidFill>
+                <a:latin typeface="Arial" panose="020B0604020202020204" pitchFamily="34" charset="0"/>
+              </a:defRPr>
+            </a:lvl3pPr>
+            <a:lvl4pPr marL="1600200" indent="-228600">
+              <a:defRPr>
+                <a:solidFill>
+                  <a:schemeClr val="tx1"/>
+                </a:solidFill>
+                <a:latin typeface="Arial" panose="020B0604020202020204" pitchFamily="34" charset="0"/>
+              </a:defRPr>
+            </a:lvl4pPr>
+            <a:lvl5pPr marL="2057400" indent="-228600">
+              <a:defRPr>
+                <a:solidFill>
+                  <a:schemeClr val="tx1"/>
+                </a:solidFill>
+                <a:latin typeface="Arial" panose="020B0604020202020204" pitchFamily="34" charset="0"/>
+              </a:defRPr>
+            </a:lvl5pPr>
+            <a:lvl6pPr marL="2514600" indent="-228600" eaLnBrk="0" fontAlgn="base" hangingPunct="0">
+              <a:spcBef>
+                <a:spcPct val="0"/>
+              </a:spcBef>
+              <a:spcAft>
+                <a:spcPct val="0"/>
+              </a:spcAft>
+              <a:defRPr>
+                <a:solidFill>
+                  <a:schemeClr val="tx1"/>
+                </a:solidFill>
+                <a:latin typeface="Arial" panose="020B0604020202020204" pitchFamily="34" charset="0"/>
+              </a:defRPr>
+            </a:lvl6pPr>
+            <a:lvl7pPr marL="2971800" indent="-228600" eaLnBrk="0" fontAlgn="base" hangingPunct="0">
+              <a:spcBef>
+                <a:spcPct val="0"/>
+              </a:spcBef>
+              <a:spcAft>
+                <a:spcPct val="0"/>
+              </a:spcAft>
+              <a:defRPr>
+                <a:solidFill>
+                  <a:schemeClr val="tx1"/>
+                </a:solidFill>
+                <a:latin typeface="Arial" panose="020B0604020202020204" pitchFamily="34" charset="0"/>
+              </a:defRPr>
+            </a:lvl7pPr>
+            <a:lvl8pPr marL="3429000" indent="-228600" eaLnBrk="0" fontAlgn="base" hangingPunct="0">
+              <a:spcBef>
+                <a:spcPct val="0"/>
+              </a:spcBef>
+              <a:spcAft>
+                <a:spcPct val="0"/>
+              </a:spcAft>
+              <a:defRPr>
+                <a:solidFill>
+                  <a:schemeClr val="tx1"/>
+                </a:solidFill>
+                <a:latin typeface="Arial" panose="020B0604020202020204" pitchFamily="34" charset="0"/>
+              </a:defRPr>
+            </a:lvl8pPr>
+            <a:lvl9pPr marL="3886200" indent="-228600" eaLnBrk="0" fontAlgn="base" hangingPunct="0">
+              <a:spcBef>
+                <a:spcPct val="0"/>
+              </a:spcBef>
+              <a:spcAft>
+                <a:spcPct val="0"/>
+              </a:spcAft>
+              <a:defRPr>
+                <a:solidFill>
+                  <a:schemeClr val="tx1"/>
+                </a:solidFill>
+                <a:latin typeface="Arial" panose="020B0604020202020204" pitchFamily="34" charset="0"/>
+              </a:defRPr>
+            </a:lvl9pPr>
+          </a:lstStyle>
+          <a:p>
+            <a:pPr eaLnBrk="1" hangingPunct="1"/>
+            <a:endParaRPr lang="pt-PT" altLang="pt-PT"/>
+          </a:p>
+        </p:txBody>
+      </p:sp>
+      <p:sp>
+        <p:nvSpPr>
+          <p:cNvPr id="16" name="TextBox 54"/>
+          <p:cNvSpPr txBox="1">
+            <a:spLocks noChangeArrowheads="1"/>
+          </p:cNvSpPr>
+          <p:nvPr/>
+        </p:nvSpPr>
+        <p:spPr bwMode="auto">
+          <a:xfrm>
+            <a:off x="838199" y="1156803"/>
+            <a:ext cx="8571807" cy="400110"/>
+          </a:xfrm>
+          <a:prstGeom prst="rect">
+            <a:avLst/>
+          </a:prstGeom>
+          <a:noFill/>
+          <a:ln>
+            <a:noFill/>
+          </a:ln>
+          <a:extLst>
+            <a:ext uri="{909E8E84-426E-40DD-AFC4-6F175D3DCCD1}">
+              <a14:hiddenFill xmlns:a14="http://schemas.microsoft.com/office/drawing/2010/main">
+                <a:solidFill>
+                  <a:srgbClr val="FFFFFF"/>
+                </a:solidFill>
+              </a14:hiddenFill>
+            </a:ext>
+            <a:ext uri="{91240B29-F687-4F45-9708-019B960494DF}">
+              <a14:hiddenLine xmlns:a14="http://schemas.microsoft.com/office/drawing/2010/main" w="9525">
+                <a:solidFill>
+                  <a:srgbClr val="000000"/>
+                </a:solidFill>
+                <a:miter lim="800000"/>
+                <a:headEnd/>
+                <a:tailEnd/>
+              </a14:hiddenLine>
+            </a:ext>
+          </a:extLst>
+        </p:spPr>
+        <p:txBody>
+          <a:bodyPr wrap="square">
+            <a:spAutoFit/>
+          </a:bodyPr>
+          <a:lstStyle>
+            <a:lvl1pPr>
+              <a:defRPr>
+                <a:solidFill>
+                  <a:schemeClr val="tx1"/>
+                </a:solidFill>
+                <a:latin typeface="Arial" panose="020B0604020202020204" pitchFamily="34" charset="0"/>
+              </a:defRPr>
+            </a:lvl1pPr>
+            <a:lvl2pPr marL="742950" indent="-285750">
+              <a:defRPr>
+                <a:solidFill>
+                  <a:schemeClr val="tx1"/>
+                </a:solidFill>
+                <a:latin typeface="Arial" panose="020B0604020202020204" pitchFamily="34" charset="0"/>
+              </a:defRPr>
+            </a:lvl2pPr>
+            <a:lvl3pPr marL="1143000" indent="-228600">
+              <a:defRPr>
+                <a:solidFill>
+                  <a:schemeClr val="tx1"/>
+                </a:solidFill>
+                <a:latin typeface="Arial" panose="020B0604020202020204" pitchFamily="34" charset="0"/>
+              </a:defRPr>
+            </a:lvl3pPr>
+            <a:lvl4pPr marL="1600200" indent="-228600">
+              <a:defRPr>
+                <a:solidFill>
+                  <a:schemeClr val="tx1"/>
+                </a:solidFill>
+                <a:latin typeface="Arial" panose="020B0604020202020204" pitchFamily="34" charset="0"/>
+              </a:defRPr>
+            </a:lvl4pPr>
+            <a:lvl5pPr marL="2057400" indent="-228600">
+              <a:defRPr>
+                <a:solidFill>
+                  <a:schemeClr val="tx1"/>
+                </a:solidFill>
+                <a:latin typeface="Arial" panose="020B0604020202020204" pitchFamily="34" charset="0"/>
+              </a:defRPr>
+            </a:lvl5pPr>
+            <a:lvl6pPr marL="2514600" indent="-228600" eaLnBrk="0" fontAlgn="base" hangingPunct="0">
+              <a:spcBef>
+                <a:spcPct val="0"/>
+              </a:spcBef>
+              <a:spcAft>
+                <a:spcPct val="0"/>
+              </a:spcAft>
+              <a:defRPr>
+                <a:solidFill>
+                  <a:schemeClr val="tx1"/>
+                </a:solidFill>
+                <a:latin typeface="Arial" panose="020B0604020202020204" pitchFamily="34" charset="0"/>
+              </a:defRPr>
+            </a:lvl6pPr>
+            <a:lvl7pPr marL="2971800" indent="-228600" eaLnBrk="0" fontAlgn="base" hangingPunct="0">
+              <a:spcBef>
+                <a:spcPct val="0"/>
+              </a:spcBef>
+              <a:spcAft>
+                <a:spcPct val="0"/>
+              </a:spcAft>
+              <a:defRPr>
+                <a:solidFill>
+                  <a:schemeClr val="tx1"/>
+                </a:solidFill>
+                <a:latin typeface="Arial" panose="020B0604020202020204" pitchFamily="34" charset="0"/>
+              </a:defRPr>
+            </a:lvl7pPr>
+            <a:lvl8pPr marL="3429000" indent="-228600" eaLnBrk="0" fontAlgn="base" hangingPunct="0">
+              <a:spcBef>
+                <a:spcPct val="0"/>
+              </a:spcBef>
+              <a:spcAft>
+                <a:spcPct val="0"/>
+              </a:spcAft>
+              <a:defRPr>
+                <a:solidFill>
+                  <a:schemeClr val="tx1"/>
+                </a:solidFill>
+                <a:latin typeface="Arial" panose="020B0604020202020204" pitchFamily="34" charset="0"/>
+              </a:defRPr>
+            </a:lvl8pPr>
+            <a:lvl9pPr marL="3886200" indent="-228600" eaLnBrk="0" fontAlgn="base" hangingPunct="0">
+              <a:spcBef>
+                <a:spcPct val="0"/>
+              </a:spcBef>
+              <a:spcAft>
+                <a:spcPct val="0"/>
+              </a:spcAft>
+              <a:defRPr>
+                <a:solidFill>
+                  <a:schemeClr val="tx1"/>
+                </a:solidFill>
+                <a:latin typeface="Arial" panose="020B0604020202020204" pitchFamily="34" charset="0"/>
+              </a:defRPr>
+            </a:lvl9pPr>
+          </a:lstStyle>
+          <a:p>
+            <a:r>
+              <a:rPr lang="en-US" altLang="ko-KR" sz="2000" b="1" dirty="0" smtClean="0">
+                <a:ea typeface="굴림" panose="020B0600000101010101" pitchFamily="50" charset="-127"/>
+              </a:rPr>
+              <a:t>Generalized Power management </a:t>
+            </a:r>
+            <a:endParaRPr lang="ko-KR" altLang="en-US" sz="2000" b="1" dirty="0">
+              <a:ea typeface="굴림" panose="020B0600000101010101" pitchFamily="50" charset="-127"/>
+            </a:endParaRPr>
+          </a:p>
+        </p:txBody>
+      </p:sp>
+      <p:sp>
+        <p:nvSpPr>
+          <p:cNvPr id="17" name="Text Box 340"/>
+          <p:cNvSpPr txBox="1">
+            <a:spLocks noChangeArrowheads="1"/>
+          </p:cNvSpPr>
+          <p:nvPr/>
+        </p:nvSpPr>
+        <p:spPr bwMode="auto">
+          <a:xfrm>
+            <a:off x="1115616" y="1556853"/>
+            <a:ext cx="10306072" cy="830997"/>
+          </a:xfrm>
+          <a:prstGeom prst="rect">
+            <a:avLst/>
+          </a:prstGeom>
+          <a:noFill/>
+          <a:ln>
+            <a:noFill/>
+          </a:ln>
+          <a:effectLst/>
+          <a:extLst>
+            <a:ext uri="{909E8E84-426E-40DD-AFC4-6F175D3DCCD1}">
+              <a14:hiddenFill xmlns:a14="http://schemas.microsoft.com/office/drawing/2010/main">
+                <a:solidFill>
+                  <a:schemeClr val="accent1"/>
+                </a:solidFill>
+              </a14:hiddenFill>
+            </a:ext>
+            <a:ext uri="{91240B29-F687-4F45-9708-019B960494DF}">
+              <a14:hiddenLine xmlns:a14="http://schemas.microsoft.com/office/drawing/2010/main" w="9525">
+                <a:solidFill>
+                  <a:schemeClr val="tx1"/>
+                </a:solidFill>
+                <a:miter lim="800000"/>
+                <a:headEnd/>
+                <a:tailEnd/>
+              </a14:hiddenLine>
+            </a:ext>
+            <a:ext uri="{AF507438-7753-43E0-B8FC-AC1667EBCBE1}">
+              <a14:hiddenEffects xmlns:a14="http://schemas.microsoft.com/office/drawing/2010/main">
+                <a:effectLst>
+                  <a:outerShdw dist="35921" dir="2700000" algn="ctr" rotWithShape="0">
+                    <a:schemeClr val="bg2"/>
+                  </a:outerShdw>
+                </a:effectLst>
+              </a14:hiddenEffects>
+            </a:ext>
+          </a:extLst>
+        </p:spPr>
+        <p:txBody>
+          <a:bodyPr wrap="square">
+            <a:spAutoFit/>
+          </a:bodyPr>
+          <a:lstStyle>
+            <a:lvl1pPr>
+              <a:defRPr>
+                <a:solidFill>
+                  <a:schemeClr val="tx1"/>
+                </a:solidFill>
+                <a:latin typeface="Arial" panose="020B0604020202020204" pitchFamily="34" charset="0"/>
+              </a:defRPr>
+            </a:lvl1pPr>
+            <a:lvl2pPr marL="742950" indent="-285750">
+              <a:defRPr>
+                <a:solidFill>
+                  <a:schemeClr val="tx1"/>
+                </a:solidFill>
+                <a:latin typeface="Arial" panose="020B0604020202020204" pitchFamily="34" charset="0"/>
+              </a:defRPr>
+            </a:lvl2pPr>
+            <a:lvl3pPr marL="1143000" indent="-228600">
+              <a:defRPr>
+                <a:solidFill>
+                  <a:schemeClr val="tx1"/>
+                </a:solidFill>
+                <a:latin typeface="Arial" panose="020B0604020202020204" pitchFamily="34" charset="0"/>
+              </a:defRPr>
+            </a:lvl3pPr>
+            <a:lvl4pPr marL="1600200" indent="-228600">
+              <a:defRPr>
+                <a:solidFill>
+                  <a:schemeClr val="tx1"/>
+                </a:solidFill>
+                <a:latin typeface="Arial" panose="020B0604020202020204" pitchFamily="34" charset="0"/>
+              </a:defRPr>
+            </a:lvl4pPr>
+            <a:lvl5pPr marL="2057400" indent="-228600">
+              <a:defRPr>
+                <a:solidFill>
+                  <a:schemeClr val="tx1"/>
+                </a:solidFill>
+                <a:latin typeface="Arial" panose="020B0604020202020204" pitchFamily="34" charset="0"/>
+              </a:defRPr>
+            </a:lvl5pPr>
+            <a:lvl6pPr marL="2514600" indent="-228600" eaLnBrk="0" fontAlgn="base" hangingPunct="0">
+              <a:spcBef>
+                <a:spcPct val="0"/>
+              </a:spcBef>
+              <a:spcAft>
+                <a:spcPct val="0"/>
+              </a:spcAft>
+              <a:defRPr>
+                <a:solidFill>
+                  <a:schemeClr val="tx1"/>
+                </a:solidFill>
+                <a:latin typeface="Arial" panose="020B0604020202020204" pitchFamily="34" charset="0"/>
+              </a:defRPr>
+            </a:lvl6pPr>
+            <a:lvl7pPr marL="2971800" indent="-228600" eaLnBrk="0" fontAlgn="base" hangingPunct="0">
+              <a:spcBef>
+                <a:spcPct val="0"/>
+              </a:spcBef>
+              <a:spcAft>
+                <a:spcPct val="0"/>
+              </a:spcAft>
+              <a:defRPr>
+                <a:solidFill>
+                  <a:schemeClr val="tx1"/>
+                </a:solidFill>
+                <a:latin typeface="Arial" panose="020B0604020202020204" pitchFamily="34" charset="0"/>
+              </a:defRPr>
+            </a:lvl7pPr>
+            <a:lvl8pPr marL="3429000" indent="-228600" eaLnBrk="0" fontAlgn="base" hangingPunct="0">
+              <a:spcBef>
+                <a:spcPct val="0"/>
+              </a:spcBef>
+              <a:spcAft>
+                <a:spcPct val="0"/>
+              </a:spcAft>
+              <a:defRPr>
+                <a:solidFill>
+                  <a:schemeClr val="tx1"/>
+                </a:solidFill>
+                <a:latin typeface="Arial" panose="020B0604020202020204" pitchFamily="34" charset="0"/>
+              </a:defRPr>
+            </a:lvl8pPr>
+            <a:lvl9pPr marL="3886200" indent="-228600" eaLnBrk="0" fontAlgn="base" hangingPunct="0">
+              <a:spcBef>
+                <a:spcPct val="0"/>
+              </a:spcBef>
+              <a:spcAft>
+                <a:spcPct val="0"/>
+              </a:spcAft>
+              <a:defRPr>
+                <a:solidFill>
+                  <a:schemeClr val="tx1"/>
+                </a:solidFill>
+                <a:latin typeface="Arial" panose="020B0604020202020204" pitchFamily="34" charset="0"/>
+              </a:defRPr>
+            </a:lvl9pPr>
+          </a:lstStyle>
+          <a:p>
+            <a:pPr marL="342900" indent="-342900">
+              <a:buFont typeface="Arial" panose="020B0604020202020204" pitchFamily="34" charset="0"/>
+              <a:buChar char="•"/>
+              <a:defRPr/>
+            </a:pPr>
+            <a:r>
+              <a:rPr lang="en-US" altLang="ko-KR" sz="1600" dirty="0" smtClean="0">
+                <a:solidFill>
+                  <a:srgbClr val="FF0000"/>
+                </a:solidFill>
+                <a:ea typeface="굴림" panose="020B0600000101010101" pitchFamily="50" charset="-127"/>
+              </a:rPr>
+              <a:t>MDP </a:t>
+            </a:r>
+            <a:r>
+              <a:rPr lang="ko-KR" altLang="en-US" sz="1600" dirty="0" smtClean="0">
+                <a:solidFill>
+                  <a:srgbClr val="FF0000"/>
+                </a:solidFill>
+                <a:ea typeface="굴림" panose="020B0600000101010101" pitchFamily="50" charset="-127"/>
+              </a:rPr>
+              <a:t>모델을 통해 다양한 사이클을 경험한 모델과 그렇지 못한 모델의 </a:t>
+            </a:r>
+            <a:r>
+              <a:rPr lang="en-US" altLang="ko-KR" sz="1600" dirty="0" smtClean="0">
+                <a:solidFill>
+                  <a:srgbClr val="FF0000"/>
+                </a:solidFill>
+                <a:ea typeface="굴림" panose="020B0600000101010101" pitchFamily="50" charset="-127"/>
+              </a:rPr>
+              <a:t>Generalization power</a:t>
+            </a:r>
+            <a:r>
+              <a:rPr lang="ko-KR" altLang="en-US" sz="1600" dirty="0" smtClean="0">
+                <a:solidFill>
+                  <a:srgbClr val="FF0000"/>
+                </a:solidFill>
+                <a:ea typeface="굴림" panose="020B0600000101010101" pitchFamily="50" charset="-127"/>
+              </a:rPr>
+              <a:t>에 대한 비교</a:t>
+            </a:r>
+            <a:endParaRPr lang="en-US" altLang="ko-KR" sz="1600" dirty="0">
+              <a:solidFill>
+                <a:srgbClr val="FF0000"/>
+              </a:solidFill>
+              <a:ea typeface="굴림" panose="020B0600000101010101" pitchFamily="50" charset="-127"/>
+            </a:endParaRPr>
+          </a:p>
+          <a:p>
+            <a:pPr marL="342900" indent="-342900">
+              <a:buFont typeface="Arial" panose="020B0604020202020204" pitchFamily="34" charset="0"/>
+              <a:buChar char="•"/>
+              <a:defRPr/>
+            </a:pPr>
+            <a:endParaRPr lang="en-US" altLang="ko-KR" sz="1600" dirty="0" smtClean="0">
+              <a:ea typeface="굴림" panose="020B0600000101010101" pitchFamily="50" charset="-127"/>
+            </a:endParaRPr>
+          </a:p>
+          <a:p>
+            <a:pPr marL="342900" indent="-342900">
+              <a:buFont typeface="Arial" panose="020B0604020202020204" pitchFamily="34" charset="0"/>
+              <a:buChar char="•"/>
+              <a:defRPr/>
+            </a:pPr>
+            <a:endParaRPr lang="en-US" altLang="ko-KR" sz="1600" dirty="0">
+              <a:solidFill>
+                <a:srgbClr val="FF0000"/>
+              </a:solidFill>
+              <a:ea typeface="굴림" panose="020B0600000101010101" pitchFamily="50" charset="-127"/>
+            </a:endParaRPr>
+          </a:p>
+        </p:txBody>
+      </p:sp>
+      <p:sp>
+        <p:nvSpPr>
+          <p:cNvPr id="7" name="TextBox 6"/>
+          <p:cNvSpPr txBox="1"/>
+          <p:nvPr/>
+        </p:nvSpPr>
+        <p:spPr>
+          <a:xfrm>
+            <a:off x="3245426" y="3236787"/>
+            <a:ext cx="5557753" cy="369332"/>
+          </a:xfrm>
+          <a:prstGeom prst="rect">
+            <a:avLst/>
+          </a:prstGeom>
+          <a:noFill/>
+        </p:spPr>
+        <p:txBody>
+          <a:bodyPr wrap="square" rtlCol="0">
+            <a:spAutoFit/>
+          </a:bodyPr>
+          <a:lstStyle/>
+          <a:p>
+            <a:r>
+              <a:rPr lang="en-US" altLang="ko-KR" b="1" dirty="0" smtClean="0">
+                <a:solidFill>
+                  <a:srgbClr val="FF0000"/>
+                </a:solidFill>
+              </a:rPr>
+              <a:t>MDP driver model + Agent  VS  </a:t>
+            </a:r>
+            <a:r>
+              <a:rPr lang="ko-KR" altLang="en-US" b="1" dirty="0" smtClean="0">
+                <a:solidFill>
+                  <a:srgbClr val="FF0000"/>
+                </a:solidFill>
+              </a:rPr>
+              <a:t>평범한 </a:t>
+            </a:r>
+            <a:r>
+              <a:rPr lang="en-US" altLang="ko-KR" b="1" dirty="0" smtClean="0">
+                <a:solidFill>
+                  <a:srgbClr val="FF0000"/>
+                </a:solidFill>
+              </a:rPr>
+              <a:t>Agent </a:t>
+            </a:r>
+            <a:endParaRPr lang="ko-KR" altLang="en-US" b="1" dirty="0">
+              <a:solidFill>
+                <a:srgbClr val="FF0000"/>
+              </a:solidFill>
+            </a:endParaRPr>
+          </a:p>
+        </p:txBody>
+      </p:sp>
+    </p:spTree>
+    <p:extLst>
+      <p:ext uri="{BB962C8B-B14F-4D97-AF65-F5344CB8AC3E}">
+        <p14:creationId xmlns:p14="http://schemas.microsoft.com/office/powerpoint/2010/main" val="674614600"/>
+      </p:ext>
+    </p:extLst>
+  </p:cSld>
+  <p:clrMapOvr>
+    <a:masterClrMapping/>
+  </p:clrMapOvr>
+  <p:timing>
+    <p:tnLst>
+      <p:par>
+        <p:cTn id="1" dur="indefinite" restart="never" nodeType="tmRoot"/>
+      </p:par>
+    </p:tnLst>
+  </p:timing>
+</p:sld>
+</file>
+
+<file path=ppt/slides/slide25.xml><?xml version="1.0" encoding="utf-8"?>
+<p:sld xmlns:a="http://schemas.openxmlformats.org/drawingml/2006/main" xmlns:r="http://schemas.openxmlformats.org/officeDocument/2006/relationships" xmlns:p="http://schemas.openxmlformats.org/presentationml/2006/main">
+  <p:cSld>
+    <p:spTree>
+      <p:nvGrpSpPr>
+        <p:cNvPr id="1" name=""/>
+        <p:cNvGrpSpPr/>
+        <p:nvPr/>
+      </p:nvGrpSpPr>
+      <p:grpSpPr>
+        <a:xfrm>
+          <a:off x="0" y="0"/>
+          <a:ext cx="0" cy="0"/>
+          <a:chOff x="0" y="0"/>
+          <a:chExt cx="0" cy="0"/>
+        </a:xfrm>
+      </p:grpSpPr>
+      <p:sp>
+        <p:nvSpPr>
+          <p:cNvPr id="4" name="제목 3"/>
+          <p:cNvSpPr>
+            <a:spLocks noGrp="1"/>
+          </p:cNvSpPr>
+          <p:nvPr>
+            <p:ph type="title"/>
+          </p:nvPr>
+        </p:nvSpPr>
+        <p:spPr/>
+        <p:txBody>
+          <a:bodyPr>
+            <a:normAutofit/>
+          </a:bodyPr>
+          <a:lstStyle/>
+          <a:p>
+            <a:r>
+              <a:rPr lang="en-US" altLang="ko-KR" sz="2800" dirty="0" smtClean="0"/>
+              <a:t>Research</a:t>
+            </a:r>
+            <a:endParaRPr lang="ko-KR" altLang="en-US" sz="2800" dirty="0"/>
+          </a:p>
+        </p:txBody>
+      </p:sp>
+      <p:sp>
+        <p:nvSpPr>
+          <p:cNvPr id="15" name="TextBox 14"/>
+          <p:cNvSpPr txBox="1"/>
+          <p:nvPr/>
+        </p:nvSpPr>
+        <p:spPr>
+          <a:xfrm>
+            <a:off x="10285110" y="6234545"/>
+            <a:ext cx="2728086" cy="523220"/>
+          </a:xfrm>
+          <a:prstGeom prst="rect">
+            <a:avLst/>
+          </a:prstGeom>
+          <a:noFill/>
+        </p:spPr>
+        <p:txBody>
+          <a:bodyPr wrap="square" rtlCol="0">
+            <a:spAutoFit/>
+          </a:bodyPr>
+          <a:lstStyle/>
+          <a:p>
+            <a:r>
+              <a:rPr lang="en-US" altLang="ko-KR" sz="2800" b="1" i="1" dirty="0">
+                <a:solidFill>
+                  <a:srgbClr val="002060"/>
+                </a:solidFill>
+                <a:latin typeface="Cambria Math" panose="02040503050406030204" pitchFamily="18" charset="0"/>
+                <a:ea typeface="Cambria Math" panose="02040503050406030204" pitchFamily="18" charset="0"/>
+              </a:rPr>
+              <a:t>RECL</a:t>
+            </a:r>
+            <a:endParaRPr lang="ko-KR" altLang="en-US" sz="2800" b="1" i="1" dirty="0">
+              <a:solidFill>
+                <a:srgbClr val="002060"/>
+              </a:solidFill>
+              <a:latin typeface="Cambria Math" panose="02040503050406030204" pitchFamily="18" charset="0"/>
+            </a:endParaRPr>
+          </a:p>
+        </p:txBody>
+      </p:sp>
+      <p:sp>
+        <p:nvSpPr>
+          <p:cNvPr id="14" name="Text Box 339"/>
+          <p:cNvSpPr txBox="1">
+            <a:spLocks noChangeArrowheads="1"/>
+          </p:cNvSpPr>
+          <p:nvPr/>
+        </p:nvSpPr>
+        <p:spPr bwMode="auto">
+          <a:xfrm>
+            <a:off x="323850" y="1341438"/>
+            <a:ext cx="184150" cy="366712"/>
+          </a:xfrm>
+          <a:prstGeom prst="rect">
+            <a:avLst/>
+          </a:prstGeom>
+          <a:noFill/>
+          <a:ln>
+            <a:noFill/>
+          </a:ln>
+          <a:effectLst/>
+          <a:extLst>
+            <a:ext uri="{909E8E84-426E-40DD-AFC4-6F175D3DCCD1}">
+              <a14:hiddenFill xmlns:a14="http://schemas.microsoft.com/office/drawing/2010/main">
+                <a:solidFill>
+                  <a:schemeClr val="accent1"/>
+                </a:solidFill>
+              </a14:hiddenFill>
+            </a:ext>
+            <a:ext uri="{91240B29-F687-4F45-9708-019B960494DF}">
+              <a14:hiddenLine xmlns:a14="http://schemas.microsoft.com/office/drawing/2010/main" w="9525">
+                <a:solidFill>
+                  <a:schemeClr val="tx1"/>
+                </a:solidFill>
+                <a:miter lim="800000"/>
+                <a:headEnd/>
+                <a:tailEnd/>
+              </a14:hiddenLine>
+            </a:ext>
+            <a:ext uri="{AF507438-7753-43E0-B8FC-AC1667EBCBE1}">
+              <a14:hiddenEffects xmlns:a14="http://schemas.microsoft.com/office/drawing/2010/main">
+                <a:effectLst>
+                  <a:outerShdw dist="35921" dir="2700000" algn="ctr" rotWithShape="0">
+                    <a:schemeClr val="bg2"/>
+                  </a:outerShdw>
+                </a:effectLst>
+              </a14:hiddenEffects>
+            </a:ext>
+          </a:extLst>
+        </p:spPr>
+        <p:txBody>
+          <a:bodyPr wrap="none">
+            <a:spAutoFit/>
+          </a:bodyPr>
+          <a:lstStyle>
+            <a:lvl1pPr>
+              <a:defRPr>
+                <a:solidFill>
+                  <a:schemeClr val="tx1"/>
+                </a:solidFill>
+                <a:latin typeface="Arial" panose="020B0604020202020204" pitchFamily="34" charset="0"/>
+              </a:defRPr>
+            </a:lvl1pPr>
+            <a:lvl2pPr marL="742950" indent="-285750">
+              <a:defRPr>
+                <a:solidFill>
+                  <a:schemeClr val="tx1"/>
+                </a:solidFill>
+                <a:latin typeface="Arial" panose="020B0604020202020204" pitchFamily="34" charset="0"/>
+              </a:defRPr>
+            </a:lvl2pPr>
+            <a:lvl3pPr marL="1143000" indent="-228600">
+              <a:defRPr>
+                <a:solidFill>
+                  <a:schemeClr val="tx1"/>
+                </a:solidFill>
+                <a:latin typeface="Arial" panose="020B0604020202020204" pitchFamily="34" charset="0"/>
+              </a:defRPr>
+            </a:lvl3pPr>
+            <a:lvl4pPr marL="1600200" indent="-228600">
+              <a:defRPr>
+                <a:solidFill>
+                  <a:schemeClr val="tx1"/>
+                </a:solidFill>
+                <a:latin typeface="Arial" panose="020B0604020202020204" pitchFamily="34" charset="0"/>
+              </a:defRPr>
+            </a:lvl4pPr>
+            <a:lvl5pPr marL="2057400" indent="-228600">
+              <a:defRPr>
+                <a:solidFill>
+                  <a:schemeClr val="tx1"/>
+                </a:solidFill>
+                <a:latin typeface="Arial" panose="020B0604020202020204" pitchFamily="34" charset="0"/>
+              </a:defRPr>
+            </a:lvl5pPr>
+            <a:lvl6pPr marL="2514600" indent="-228600" eaLnBrk="0" fontAlgn="base" hangingPunct="0">
+              <a:spcBef>
+                <a:spcPct val="0"/>
+              </a:spcBef>
+              <a:spcAft>
+                <a:spcPct val="0"/>
+              </a:spcAft>
+              <a:defRPr>
+                <a:solidFill>
+                  <a:schemeClr val="tx1"/>
+                </a:solidFill>
+                <a:latin typeface="Arial" panose="020B0604020202020204" pitchFamily="34" charset="0"/>
+              </a:defRPr>
+            </a:lvl6pPr>
+            <a:lvl7pPr marL="2971800" indent="-228600" eaLnBrk="0" fontAlgn="base" hangingPunct="0">
+              <a:spcBef>
+                <a:spcPct val="0"/>
+              </a:spcBef>
+              <a:spcAft>
+                <a:spcPct val="0"/>
+              </a:spcAft>
+              <a:defRPr>
+                <a:solidFill>
+                  <a:schemeClr val="tx1"/>
+                </a:solidFill>
+                <a:latin typeface="Arial" panose="020B0604020202020204" pitchFamily="34" charset="0"/>
+              </a:defRPr>
+            </a:lvl7pPr>
+            <a:lvl8pPr marL="3429000" indent="-228600" eaLnBrk="0" fontAlgn="base" hangingPunct="0">
+              <a:spcBef>
+                <a:spcPct val="0"/>
+              </a:spcBef>
+              <a:spcAft>
+                <a:spcPct val="0"/>
+              </a:spcAft>
+              <a:defRPr>
+                <a:solidFill>
+                  <a:schemeClr val="tx1"/>
+                </a:solidFill>
+                <a:latin typeface="Arial" panose="020B0604020202020204" pitchFamily="34" charset="0"/>
+              </a:defRPr>
+            </a:lvl8pPr>
+            <a:lvl9pPr marL="3886200" indent="-228600" eaLnBrk="0" fontAlgn="base" hangingPunct="0">
+              <a:spcBef>
+                <a:spcPct val="0"/>
+              </a:spcBef>
+              <a:spcAft>
+                <a:spcPct val="0"/>
+              </a:spcAft>
+              <a:defRPr>
+                <a:solidFill>
+                  <a:schemeClr val="tx1"/>
+                </a:solidFill>
+                <a:latin typeface="Arial" panose="020B0604020202020204" pitchFamily="34" charset="0"/>
+              </a:defRPr>
+            </a:lvl9pPr>
+          </a:lstStyle>
+          <a:p>
+            <a:pPr eaLnBrk="1" hangingPunct="1"/>
+            <a:endParaRPr lang="pt-PT" altLang="pt-PT"/>
+          </a:p>
+        </p:txBody>
+      </p:sp>
+      <p:sp>
+        <p:nvSpPr>
+          <p:cNvPr id="16" name="TextBox 54"/>
+          <p:cNvSpPr txBox="1">
+            <a:spLocks noChangeArrowheads="1"/>
+          </p:cNvSpPr>
+          <p:nvPr/>
+        </p:nvSpPr>
+        <p:spPr bwMode="auto">
+          <a:xfrm>
+            <a:off x="838199" y="1156803"/>
+            <a:ext cx="8571807" cy="400110"/>
+          </a:xfrm>
+          <a:prstGeom prst="rect">
+            <a:avLst/>
+          </a:prstGeom>
+          <a:noFill/>
+          <a:ln>
+            <a:noFill/>
+          </a:ln>
+          <a:extLst>
+            <a:ext uri="{909E8E84-426E-40DD-AFC4-6F175D3DCCD1}">
+              <a14:hiddenFill xmlns:a14="http://schemas.microsoft.com/office/drawing/2010/main">
+                <a:solidFill>
+                  <a:srgbClr val="FFFFFF"/>
+                </a:solidFill>
+              </a14:hiddenFill>
+            </a:ext>
+            <a:ext uri="{91240B29-F687-4F45-9708-019B960494DF}">
+              <a14:hiddenLine xmlns:a14="http://schemas.microsoft.com/office/drawing/2010/main" w="9525">
+                <a:solidFill>
+                  <a:srgbClr val="000000"/>
+                </a:solidFill>
+                <a:miter lim="800000"/>
+                <a:headEnd/>
+                <a:tailEnd/>
+              </a14:hiddenLine>
+            </a:ext>
+          </a:extLst>
+        </p:spPr>
+        <p:txBody>
+          <a:bodyPr wrap="square">
+            <a:spAutoFit/>
+          </a:bodyPr>
+          <a:lstStyle>
+            <a:lvl1pPr>
+              <a:defRPr>
+                <a:solidFill>
+                  <a:schemeClr val="tx1"/>
+                </a:solidFill>
+                <a:latin typeface="Arial" panose="020B0604020202020204" pitchFamily="34" charset="0"/>
+              </a:defRPr>
+            </a:lvl1pPr>
+            <a:lvl2pPr marL="742950" indent="-285750">
+              <a:defRPr>
+                <a:solidFill>
+                  <a:schemeClr val="tx1"/>
+                </a:solidFill>
+                <a:latin typeface="Arial" panose="020B0604020202020204" pitchFamily="34" charset="0"/>
+              </a:defRPr>
+            </a:lvl2pPr>
+            <a:lvl3pPr marL="1143000" indent="-228600">
+              <a:defRPr>
+                <a:solidFill>
+                  <a:schemeClr val="tx1"/>
+                </a:solidFill>
+                <a:latin typeface="Arial" panose="020B0604020202020204" pitchFamily="34" charset="0"/>
+              </a:defRPr>
+            </a:lvl3pPr>
+            <a:lvl4pPr marL="1600200" indent="-228600">
+              <a:defRPr>
+                <a:solidFill>
+                  <a:schemeClr val="tx1"/>
+                </a:solidFill>
+                <a:latin typeface="Arial" panose="020B0604020202020204" pitchFamily="34" charset="0"/>
+              </a:defRPr>
+            </a:lvl4pPr>
+            <a:lvl5pPr marL="2057400" indent="-228600">
+              <a:defRPr>
+                <a:solidFill>
+                  <a:schemeClr val="tx1"/>
+                </a:solidFill>
+                <a:latin typeface="Arial" panose="020B0604020202020204" pitchFamily="34" charset="0"/>
+              </a:defRPr>
+            </a:lvl5pPr>
+            <a:lvl6pPr marL="2514600" indent="-228600" eaLnBrk="0" fontAlgn="base" hangingPunct="0">
+              <a:spcBef>
+                <a:spcPct val="0"/>
+              </a:spcBef>
+              <a:spcAft>
+                <a:spcPct val="0"/>
+              </a:spcAft>
+              <a:defRPr>
+                <a:solidFill>
+                  <a:schemeClr val="tx1"/>
+                </a:solidFill>
+                <a:latin typeface="Arial" panose="020B0604020202020204" pitchFamily="34" charset="0"/>
+              </a:defRPr>
+            </a:lvl6pPr>
+            <a:lvl7pPr marL="2971800" indent="-228600" eaLnBrk="0" fontAlgn="base" hangingPunct="0">
+              <a:spcBef>
+                <a:spcPct val="0"/>
+              </a:spcBef>
+              <a:spcAft>
+                <a:spcPct val="0"/>
+              </a:spcAft>
+              <a:defRPr>
+                <a:solidFill>
+                  <a:schemeClr val="tx1"/>
+                </a:solidFill>
+                <a:latin typeface="Arial" panose="020B0604020202020204" pitchFamily="34" charset="0"/>
+              </a:defRPr>
+            </a:lvl7pPr>
+            <a:lvl8pPr marL="3429000" indent="-228600" eaLnBrk="0" fontAlgn="base" hangingPunct="0">
+              <a:spcBef>
+                <a:spcPct val="0"/>
+              </a:spcBef>
+              <a:spcAft>
+                <a:spcPct val="0"/>
+              </a:spcAft>
+              <a:defRPr>
+                <a:solidFill>
+                  <a:schemeClr val="tx1"/>
+                </a:solidFill>
+                <a:latin typeface="Arial" panose="020B0604020202020204" pitchFamily="34" charset="0"/>
+              </a:defRPr>
+            </a:lvl8pPr>
+            <a:lvl9pPr marL="3886200" indent="-228600" eaLnBrk="0" fontAlgn="base" hangingPunct="0">
+              <a:spcBef>
+                <a:spcPct val="0"/>
+              </a:spcBef>
+              <a:spcAft>
+                <a:spcPct val="0"/>
+              </a:spcAft>
+              <a:defRPr>
+                <a:solidFill>
+                  <a:schemeClr val="tx1"/>
+                </a:solidFill>
+                <a:latin typeface="Arial" panose="020B0604020202020204" pitchFamily="34" charset="0"/>
+              </a:defRPr>
+            </a:lvl9pPr>
+          </a:lstStyle>
+          <a:p>
+            <a:r>
+              <a:rPr lang="en-US" altLang="ko-KR" sz="2000" b="1" dirty="0" smtClean="0">
+                <a:ea typeface="굴림" panose="020B0600000101010101" pitchFamily="50" charset="-127"/>
+              </a:rPr>
               <a:t>Scalable Power management </a:t>
             </a:r>
             <a:endParaRPr lang="ko-KR" altLang="en-US" sz="2000" b="1" dirty="0">
@@ -15998,7 +18395,7 @@
 </p:sld>
 </file>
 
-<file path=ppt/slides/slide23.xml><?xml version="1.0" encoding="utf-8"?>
+<file path=ppt/slides/slide26.xml><?xml version="1.0" encoding="utf-8"?>
 <p:sld xmlns:a="http://schemas.openxmlformats.org/drawingml/2006/main" xmlns:r="http://schemas.openxmlformats.org/officeDocument/2006/relationships" xmlns:p="http://schemas.openxmlformats.org/presentationml/2006/main">
   <p:cSld>
     <p:spTree>
